--- a/DA/EG Data Analysis Assessment .pptx
+++ b/DA/EG Data Analysis Assessment .pptx
@@ -20,16 +20,18 @@
     <p:sldId id="265" r:id="rId15"/>
     <p:sldId id="266" r:id="rId16"/>
     <p:sldId id="267" r:id="rId17"/>
+    <p:sldId id="268" r:id="rId18"/>
+    <p:sldId id="269" r:id="rId19"/>
   </p:sldIdLst>
   <p:sldSz cy="5143500" cx="9144000"/>
   <p:notesSz cx="6858000" cy="9144000"/>
   <p:embeddedFontLst>
     <p:embeddedFont>
       <p:font typeface="Roboto"/>
-      <p:regular r:id="rId18"/>
-      <p:bold r:id="rId19"/>
-      <p:italic r:id="rId20"/>
-      <p:boldItalic r:id="rId21"/>
+      <p:regular r:id="rId20"/>
+      <p:bold r:id="rId21"/>
+      <p:italic r:id="rId22"/>
+      <p:boldItalic r:id="rId23"/>
     </p:embeddedFont>
   </p:embeddedFontLst>
   <p:defaultTextStyle>
@@ -810,7 +812,7 @@
   <p:cSld>
     <p:spTree>
       <p:nvGrpSpPr>
-        <p:cNvPr id="149" name="Shape 149"/>
+        <p:cNvPr id="150" name="Shape 150"/>
         <p:cNvGrpSpPr/>
         <p:nvPr/>
       </p:nvGrpSpPr>
@@ -824,7 +826,7 @@
       </p:grpSpPr>
       <p:sp>
         <p:nvSpPr>
-          <p:cNvPr id="150" name="Google Shape;150;g24b2c07bbd5_0_86:notes"/>
+          <p:cNvPr id="151" name="Google Shape;151;g24b2c07bbd5_0_86:notes"/>
           <p:cNvSpPr/>
           <p:nvPr>
             <p:ph idx="2" type="sldImg"/>
@@ -859,7 +861,7 @@
       </p:sp>
       <p:sp>
         <p:nvSpPr>
-          <p:cNvPr id="151" name="Google Shape;151;g24b2c07bbd5_0_86:notes"/>
+          <p:cNvPr id="152" name="Google Shape;152;g24b2c07bbd5_0_86:notes"/>
           <p:cNvSpPr txBox="1"/>
           <p:nvPr>
             <p:ph idx="1" type="body"/>
@@ -909,7 +911,7 @@
   <p:cSld>
     <p:spTree>
       <p:nvGrpSpPr>
-        <p:cNvPr id="156" name="Shape 156"/>
+        <p:cNvPr id="158" name="Shape 158"/>
         <p:cNvGrpSpPr/>
         <p:nvPr/>
       </p:nvGrpSpPr>
@@ -923,7 +925,7 @@
       </p:grpSpPr>
       <p:sp>
         <p:nvSpPr>
-          <p:cNvPr id="157" name="Google Shape;157;g24b2c07bbd5_0_18:notes"/>
+          <p:cNvPr id="159" name="Google Shape;159;g24b3725166e_0_1:notes"/>
           <p:cNvSpPr/>
           <p:nvPr>
             <p:ph idx="2" type="sldImg"/>
@@ -958,7 +960,7 @@
       </p:sp>
       <p:sp>
         <p:nvSpPr>
-          <p:cNvPr id="158" name="Google Shape;158;g24b2c07bbd5_0_18:notes"/>
+          <p:cNvPr id="160" name="Google Shape;160;g24b3725166e_0_1:notes"/>
           <p:cNvSpPr txBox="1"/>
           <p:nvPr>
             <p:ph idx="1" type="body"/>
@@ -1008,7 +1010,7 @@
   <p:cSld>
     <p:spTree>
       <p:nvGrpSpPr>
-        <p:cNvPr id="162" name="Shape 162"/>
+        <p:cNvPr id="167" name="Shape 167"/>
         <p:cNvGrpSpPr/>
         <p:nvPr/>
       </p:nvGrpSpPr>
@@ -1022,7 +1024,7 @@
       </p:grpSpPr>
       <p:sp>
         <p:nvSpPr>
-          <p:cNvPr id="163" name="Google Shape;163;g24b413f970f_0_3:notes"/>
+          <p:cNvPr id="168" name="Google Shape;168;g24b3725166e_0_6:notes"/>
           <p:cNvSpPr/>
           <p:nvPr>
             <p:ph idx="2" type="sldImg"/>
@@ -1057,7 +1059,205 @@
       </p:sp>
       <p:sp>
         <p:nvSpPr>
-          <p:cNvPr id="164" name="Google Shape;164;g24b413f970f_0_3:notes"/>
+          <p:cNvPr id="169" name="Google Shape;169;g24b3725166e_0_6:notes"/>
+          <p:cNvSpPr txBox="1"/>
+          <p:nvPr>
+            <p:ph idx="1" type="body"/>
+          </p:nvPr>
+        </p:nvSpPr>
+        <p:spPr>
+          <a:xfrm>
+            <a:off x="685800" y="4343400"/>
+            <a:ext cx="5486400" cy="4114800"/>
+          </a:xfrm>
+          <a:prstGeom prst="rect">
+            <a:avLst/>
+          </a:prstGeom>
+        </p:spPr>
+        <p:txBody>
+          <a:bodyPr anchorCtr="0" anchor="t" bIns="91425" lIns="91425" spcFirstLastPara="1" rIns="91425" wrap="square" tIns="91425">
+            <a:noAutofit/>
+          </a:bodyPr>
+          <a:lstStyle/>
+          <a:p>
+            <a:pPr indent="0" lvl="0" marL="0" rtl="0" algn="l">
+              <a:spcBef>
+                <a:spcPts val="0"/>
+              </a:spcBef>
+              <a:spcAft>
+                <a:spcPts val="0"/>
+              </a:spcAft>
+              <a:buNone/>
+            </a:pPr>
+            <a:r>
+              <a:t/>
+            </a:r>
+            <a:endParaRPr/>
+          </a:p>
+        </p:txBody>
+      </p:sp>
+    </p:spTree>
+  </p:cSld>
+  <p:clrMapOvr>
+    <a:masterClrMapping/>
+  </p:clrMapOvr>
+</p:notes>
+</file>
+
+<file path=ppt/notesSlides/notesSlide13.xml><?xml version="1.0" encoding="utf-8"?>
+<p:notes xmlns:a="http://schemas.openxmlformats.org/drawingml/2006/main" xmlns:r="http://schemas.openxmlformats.org/officeDocument/2006/relationships" xmlns:mc="http://schemas.openxmlformats.org/markup-compatibility/2006" xmlns:mv="urn:schemas-microsoft-com:mac:vml" xmlns:p="http://schemas.openxmlformats.org/presentationml/2006/main" xmlns:c="http://schemas.openxmlformats.org/drawingml/2006/chart" xmlns:dgm="http://schemas.openxmlformats.org/drawingml/2006/diagram" xmlns:o="urn:schemas-microsoft-com:office:office" xmlns:v="urn:schemas-microsoft-com:vml" xmlns:pvml="urn:schemas-microsoft-com:office:powerpoint" xmlns:com="http://schemas.openxmlformats.org/drawingml/2006/compatibility" xmlns:p14="http://schemas.microsoft.com/office/powerpoint/2010/main" xmlns:p15="http://schemas.microsoft.com/office/powerpoint/2012/main" xmlns:ahyp="http://schemas.microsoft.com/office/drawing/2018/hyperlinkcolor" showMasterPhAnim="0" showMasterSp="0">
+  <p:cSld>
+    <p:spTree>
+      <p:nvGrpSpPr>
+        <p:cNvPr id="176" name="Shape 176"/>
+        <p:cNvGrpSpPr/>
+        <p:nvPr/>
+      </p:nvGrpSpPr>
+      <p:grpSpPr>
+        <a:xfrm>
+          <a:off x="0" y="0"/>
+          <a:ext cx="0" cy="0"/>
+          <a:chOff x="0" y="0"/>
+          <a:chExt cx="0" cy="0"/>
+        </a:xfrm>
+      </p:grpSpPr>
+      <p:sp>
+        <p:nvSpPr>
+          <p:cNvPr id="177" name="Google Shape;177;g24b2c07bbd5_0_18:notes"/>
+          <p:cNvSpPr/>
+          <p:nvPr>
+            <p:ph idx="2" type="sldImg"/>
+          </p:nvPr>
+        </p:nvSpPr>
+        <p:spPr>
+          <a:xfrm>
+            <a:off x="381300" y="685800"/>
+            <a:ext cx="6096000" cy="3429000"/>
+          </a:xfrm>
+          <a:custGeom>
+            <a:rect b="b" l="l" r="r" t="t"/>
+            <a:pathLst>
+              <a:path extrusionOk="0" h="120000" w="120000">
+                <a:moveTo>
+                  <a:pt x="0" y="0"/>
+                </a:moveTo>
+                <a:lnTo>
+                  <a:pt x="120000" y="0"/>
+                </a:lnTo>
+                <a:lnTo>
+                  <a:pt x="120000" y="120000"/>
+                </a:lnTo>
+                <a:lnTo>
+                  <a:pt x="0" y="120000"/>
+                </a:lnTo>
+                <a:close/>
+              </a:path>
+            </a:pathLst>
+          </a:custGeom>
+        </p:spPr>
+      </p:sp>
+      <p:sp>
+        <p:nvSpPr>
+          <p:cNvPr id="178" name="Google Shape;178;g24b2c07bbd5_0_18:notes"/>
+          <p:cNvSpPr txBox="1"/>
+          <p:nvPr>
+            <p:ph idx="1" type="body"/>
+          </p:nvPr>
+        </p:nvSpPr>
+        <p:spPr>
+          <a:xfrm>
+            <a:off x="685800" y="4343400"/>
+            <a:ext cx="5486400" cy="4114800"/>
+          </a:xfrm>
+          <a:prstGeom prst="rect">
+            <a:avLst/>
+          </a:prstGeom>
+        </p:spPr>
+        <p:txBody>
+          <a:bodyPr anchorCtr="0" anchor="t" bIns="91425" lIns="91425" spcFirstLastPara="1" rIns="91425" wrap="square" tIns="91425">
+            <a:noAutofit/>
+          </a:bodyPr>
+          <a:lstStyle/>
+          <a:p>
+            <a:pPr indent="0" lvl="0" marL="0" rtl="0" algn="l">
+              <a:spcBef>
+                <a:spcPts val="0"/>
+              </a:spcBef>
+              <a:spcAft>
+                <a:spcPts val="0"/>
+              </a:spcAft>
+              <a:buNone/>
+            </a:pPr>
+            <a:r>
+              <a:t/>
+            </a:r>
+            <a:endParaRPr/>
+          </a:p>
+        </p:txBody>
+      </p:sp>
+    </p:spTree>
+  </p:cSld>
+  <p:clrMapOvr>
+    <a:masterClrMapping/>
+  </p:clrMapOvr>
+</p:notes>
+</file>
+
+<file path=ppt/notesSlides/notesSlide14.xml><?xml version="1.0" encoding="utf-8"?>
+<p:notes xmlns:a="http://schemas.openxmlformats.org/drawingml/2006/main" xmlns:r="http://schemas.openxmlformats.org/officeDocument/2006/relationships" xmlns:mc="http://schemas.openxmlformats.org/markup-compatibility/2006" xmlns:mv="urn:schemas-microsoft-com:mac:vml" xmlns:p="http://schemas.openxmlformats.org/presentationml/2006/main" xmlns:c="http://schemas.openxmlformats.org/drawingml/2006/chart" xmlns:dgm="http://schemas.openxmlformats.org/drawingml/2006/diagram" xmlns:o="urn:schemas-microsoft-com:office:office" xmlns:v="urn:schemas-microsoft-com:vml" xmlns:pvml="urn:schemas-microsoft-com:office:powerpoint" xmlns:com="http://schemas.openxmlformats.org/drawingml/2006/compatibility" xmlns:p14="http://schemas.microsoft.com/office/powerpoint/2010/main" xmlns:p15="http://schemas.microsoft.com/office/powerpoint/2012/main" xmlns:ahyp="http://schemas.microsoft.com/office/drawing/2018/hyperlinkcolor" showMasterPhAnim="0" showMasterSp="0">
+  <p:cSld>
+    <p:spTree>
+      <p:nvGrpSpPr>
+        <p:cNvPr id="182" name="Shape 182"/>
+        <p:cNvGrpSpPr/>
+        <p:nvPr/>
+      </p:nvGrpSpPr>
+      <p:grpSpPr>
+        <a:xfrm>
+          <a:off x="0" y="0"/>
+          <a:ext cx="0" cy="0"/>
+          <a:chOff x="0" y="0"/>
+          <a:chExt cx="0" cy="0"/>
+        </a:xfrm>
+      </p:grpSpPr>
+      <p:sp>
+        <p:nvSpPr>
+          <p:cNvPr id="183" name="Google Shape;183;g24b413f970f_0_3:notes"/>
+          <p:cNvSpPr/>
+          <p:nvPr>
+            <p:ph idx="2" type="sldImg"/>
+          </p:nvPr>
+        </p:nvSpPr>
+        <p:spPr>
+          <a:xfrm>
+            <a:off x="381300" y="685800"/>
+            <a:ext cx="6096000" cy="3429000"/>
+          </a:xfrm>
+          <a:custGeom>
+            <a:rect b="b" l="l" r="r" t="t"/>
+            <a:pathLst>
+              <a:path extrusionOk="0" h="120000" w="120000">
+                <a:moveTo>
+                  <a:pt x="0" y="0"/>
+                </a:moveTo>
+                <a:lnTo>
+                  <a:pt x="120000" y="0"/>
+                </a:lnTo>
+                <a:lnTo>
+                  <a:pt x="120000" y="120000"/>
+                </a:lnTo>
+                <a:lnTo>
+                  <a:pt x="0" y="120000"/>
+                </a:lnTo>
+                <a:close/>
+              </a:path>
+            </a:pathLst>
+          </a:custGeom>
+        </p:spPr>
+      </p:sp>
+      <p:sp>
+        <p:nvSpPr>
+          <p:cNvPr id="184" name="Google Shape;184;g24b413f970f_0_3:notes"/>
           <p:cNvSpPr txBox="1"/>
           <p:nvPr>
             <p:ph idx="1" type="body"/>
@@ -1701,7 +1901,7 @@
   <p:cSld>
     <p:spTree>
       <p:nvGrpSpPr>
-        <p:cNvPr id="133" name="Shape 133"/>
+        <p:cNvPr id="134" name="Shape 134"/>
         <p:cNvGrpSpPr/>
         <p:nvPr/>
       </p:nvGrpSpPr>
@@ -1715,7 +1915,7 @@
       </p:grpSpPr>
       <p:sp>
         <p:nvSpPr>
-          <p:cNvPr id="134" name="Google Shape;134;g24b2c07bbd5_0_76:notes"/>
+          <p:cNvPr id="135" name="Google Shape;135;g24b2c07bbd5_0_76:notes"/>
           <p:cNvSpPr/>
           <p:nvPr>
             <p:ph idx="2" type="sldImg"/>
@@ -1750,7 +1950,7 @@
       </p:sp>
       <p:sp>
         <p:nvSpPr>
-          <p:cNvPr id="135" name="Google Shape;135;g24b2c07bbd5_0_76:notes"/>
+          <p:cNvPr id="136" name="Google Shape;136;g24b2c07bbd5_0_76:notes"/>
           <p:cNvSpPr txBox="1"/>
           <p:nvPr>
             <p:ph idx="1" type="body"/>
@@ -1800,7 +2000,7 @@
   <p:cSld>
     <p:spTree>
       <p:nvGrpSpPr>
-        <p:cNvPr id="141" name="Shape 141"/>
+        <p:cNvPr id="142" name="Shape 142"/>
         <p:cNvGrpSpPr/>
         <p:nvPr/>
       </p:nvGrpSpPr>
@@ -1814,7 +2014,7 @@
       </p:grpSpPr>
       <p:sp>
         <p:nvSpPr>
-          <p:cNvPr id="142" name="Google Shape;142;g24b2c07bbd5_0_81:notes"/>
+          <p:cNvPr id="143" name="Google Shape;143;g24b2c07bbd5_0_81:notes"/>
           <p:cNvSpPr/>
           <p:nvPr>
             <p:ph idx="2" type="sldImg"/>
@@ -1849,7 +2049,7 @@
       </p:sp>
       <p:sp>
         <p:nvSpPr>
-          <p:cNvPr id="143" name="Google Shape;143;g24b2c07bbd5_0_81:notes"/>
+          <p:cNvPr id="144" name="Google Shape;144;g24b2c07bbd5_0_81:notes"/>
           <p:cNvSpPr txBox="1"/>
           <p:nvPr>
             <p:ph idx="1" type="body"/>
@@ -8636,7 +8836,7 @@
   <p:cSld>
     <p:spTree>
       <p:nvGrpSpPr>
-        <p:cNvPr id="152" name="Shape 152"/>
+        <p:cNvPr id="153" name="Shape 153"/>
         <p:cNvGrpSpPr/>
         <p:nvPr/>
       </p:nvGrpSpPr>
@@ -8650,7 +8850,7 @@
       </p:grpSpPr>
       <p:sp>
         <p:nvSpPr>
-          <p:cNvPr id="153" name="Google Shape;153;p22"/>
+          <p:cNvPr id="154" name="Google Shape;154;p22"/>
           <p:cNvSpPr txBox="1"/>
           <p:nvPr>
             <p:ph type="title"/>
@@ -8666,7 +8866,7 @@
           </a:prstGeom>
           <a:ln cap="flat" cmpd="sng" w="9525">
             <a:solidFill>
-              <a:schemeClr val="lt2"/>
+              <a:srgbClr val="000000"/>
             </a:solidFill>
             <a:prstDash val="dot"/>
             <a:round/>
@@ -8699,7 +8899,7 @@
       </p:sp>
       <p:sp>
         <p:nvSpPr>
-          <p:cNvPr id="154" name="Google Shape;154;p22"/>
+          <p:cNvPr id="155" name="Google Shape;155;p22"/>
           <p:cNvSpPr txBox="1"/>
           <p:nvPr>
             <p:ph idx="4294967295" type="body"/>
@@ -8707,8 +8907,8 @@
         </p:nvSpPr>
         <p:spPr>
           <a:xfrm>
-            <a:off x="311700" y="1017800"/>
-            <a:ext cx="8520600" cy="3339000"/>
+            <a:off x="311700" y="1102925"/>
+            <a:ext cx="8520600" cy="1554000"/>
           </a:xfrm>
           <a:prstGeom prst="rect">
             <a:avLst/>
@@ -8729,93 +8929,93 @@
           </a:bodyPr>
           <a:lstStyle/>
           <a:p>
-            <a:pPr indent="-330200" lvl="0" marL="457200" rtl="0" algn="l">
-              <a:spcBef>
-                <a:spcPts val="0"/>
-              </a:spcBef>
-              <a:spcAft>
-                <a:spcPts val="0"/>
-              </a:spcAft>
-              <a:buSzPts val="1600"/>
+            <a:pPr indent="-317500" lvl="0" marL="457200" rtl="0" algn="l">
+              <a:spcBef>
+                <a:spcPts val="0"/>
+              </a:spcBef>
+              <a:spcAft>
+                <a:spcPts val="0"/>
+              </a:spcAft>
+              <a:buSzPts val="1400"/>
               <a:buAutoNum type="arabicPeriod"/>
             </a:pPr>
             <a:r>
-              <a:rPr b="1" lang="en" sz="1600"/>
+              <a:rPr b="1" lang="en" sz="1400"/>
               <a:t>What</a:t>
             </a:r>
             <a:r>
-              <a:rPr b="1" lang="en" sz="1600"/>
+              <a:rPr b="1" lang="en" sz="1400"/>
               <a:t> is our best performing campaign?</a:t>
             </a:r>
-            <a:endParaRPr b="1" sz="1600"/>
+            <a:endParaRPr b="1" sz="1400"/>
           </a:p>
           <a:p>
-            <a:pPr indent="-317500" lvl="1" marL="914400" rtl="0" algn="l">
-              <a:spcBef>
-                <a:spcPts val="0"/>
-              </a:spcBef>
-              <a:spcAft>
-                <a:spcPts val="0"/>
-              </a:spcAft>
-              <a:buSzPts val="1400"/>
+            <a:pPr indent="-304800" lvl="1" marL="914400" rtl="0" algn="l">
+              <a:spcBef>
+                <a:spcPts val="0"/>
+              </a:spcBef>
+              <a:spcAft>
+                <a:spcPts val="0"/>
+              </a:spcAft>
+              <a:buSzPts val="1200"/>
               <a:buAutoNum type="alphaLcPeriod"/>
             </a:pPr>
             <a:r>
-              <a:rPr b="1" lang="en" u="sng"/>
+              <a:rPr b="1" lang="en" sz="1200" u="sng"/>
               <a:t>‘Community Engagement’</a:t>
             </a:r>
             <a:r>
-              <a:rPr lang="en"/>
+              <a:rPr lang="en" sz="1200"/>
               <a:t> campaigns have been </a:t>
             </a:r>
             <a:r>
-              <a:rPr lang="en"/>
+              <a:rPr lang="en" sz="1200"/>
               <a:t>the</a:t>
             </a:r>
             <a:r>
-              <a:rPr lang="en"/>
+              <a:rPr lang="en" sz="1200"/>
               <a:t> most successful, grossing an engagement rate of </a:t>
             </a:r>
             <a:r>
-              <a:rPr b="1" lang="en"/>
+              <a:rPr b="1" lang="en" sz="1200"/>
               <a:t>5.63%</a:t>
             </a:r>
             <a:r>
-              <a:rPr lang="en"/>
+              <a:rPr lang="en" sz="1200"/>
               <a:t> as well as the highest number of impressions on average.</a:t>
             </a:r>
-            <a:endParaRPr/>
+            <a:endParaRPr sz="1200"/>
           </a:p>
           <a:p>
-            <a:pPr indent="-317500" lvl="1" marL="914400" rtl="0" algn="l">
-              <a:spcBef>
-                <a:spcPts val="0"/>
-              </a:spcBef>
-              <a:spcAft>
-                <a:spcPts val="0"/>
-              </a:spcAft>
-              <a:buSzPts val="1400"/>
+            <a:pPr indent="-304800" lvl="1" marL="914400" rtl="0" algn="l">
+              <a:spcBef>
+                <a:spcPts val="0"/>
+              </a:spcBef>
+              <a:spcAft>
+                <a:spcPts val="0"/>
+              </a:spcAft>
+              <a:buSzPts val="1200"/>
               <a:buAutoNum type="alphaLcPeriod"/>
             </a:pPr>
             <a:r>
-              <a:rPr lang="en"/>
+              <a:rPr lang="en" sz="1200"/>
               <a:t>Posts with </a:t>
             </a:r>
             <a:r>
-              <a:rPr b="1" lang="en"/>
+              <a:rPr b="1" lang="en" sz="1200"/>
               <a:t>no campaign </a:t>
             </a:r>
             <a:r>
-              <a:rPr lang="en"/>
+              <a:rPr lang="en" sz="1200"/>
               <a:t>have also had a similar, if not better, amount of engagement rate when compared to other EG campaigns.</a:t>
             </a:r>
-            <a:endParaRPr/>
+            <a:endParaRPr sz="1200"/>
           </a:p>
         </p:txBody>
       </p:sp>
       <p:pic>
         <p:nvPicPr>
-          <p:cNvPr id="155" name="Google Shape;155;p22"/>
+          <p:cNvPr id="156" name="Google Shape;156;p22"/>
           <p:cNvPicPr preferRelativeResize="0"/>
           <p:nvPr/>
         </p:nvPicPr>
@@ -8823,20 +9023,59 @@
           <a:blip r:embed="rId3">
             <a:alphaModFix/>
           </a:blip>
-          <a:srcRect b="5791" l="6606" r="7703" t="10393"/>
+          <a:srcRect b="5791" l="6603" r="8951" t="10393"/>
           <a:stretch/>
         </p:blipFill>
         <p:spPr>
           <a:xfrm>
-            <a:off x="0" y="2343900"/>
-            <a:ext cx="5932901" cy="2799600"/>
+            <a:off x="4054775" y="2742050"/>
+            <a:ext cx="4777526" cy="2150550"/>
           </a:xfrm>
           <a:prstGeom prst="rect">
             <a:avLst/>
           </a:prstGeom>
           <a:noFill/>
-          <a:ln>
-            <a:noFill/>
+          <a:ln cap="flat" cmpd="sng" w="9525">
+            <a:solidFill>
+              <a:schemeClr val="lt2"/>
+            </a:solidFill>
+            <a:prstDash val="solid"/>
+            <a:round/>
+            <a:headEnd len="sm" w="sm" type="none"/>
+            <a:tailEnd len="sm" w="sm" type="none"/>
+          </a:ln>
+        </p:spPr>
+      </p:pic>
+      <p:pic>
+        <p:nvPicPr>
+          <p:cNvPr id="157" name="Google Shape;157;p22"/>
+          <p:cNvPicPr preferRelativeResize="0"/>
+          <p:nvPr/>
+        </p:nvPicPr>
+        <p:blipFill rotWithShape="1">
+          <a:blip r:embed="rId4">
+            <a:alphaModFix/>
+          </a:blip>
+          <a:srcRect b="0" l="0" r="22197" t="0"/>
+          <a:stretch/>
+        </p:blipFill>
+        <p:spPr>
+          <a:xfrm>
+            <a:off x="311700" y="2742050"/>
+            <a:ext cx="3640025" cy="2150550"/>
+          </a:xfrm>
+          <a:prstGeom prst="rect">
+            <a:avLst/>
+          </a:prstGeom>
+          <a:noFill/>
+          <a:ln cap="flat" cmpd="sng" w="9525">
+            <a:solidFill>
+              <a:schemeClr val="lt2"/>
+            </a:solidFill>
+            <a:prstDash val="solid"/>
+            <a:round/>
+            <a:headEnd len="sm" w="sm" type="none"/>
+            <a:tailEnd len="sm" w="sm" type="none"/>
           </a:ln>
         </p:spPr>
       </p:pic>
@@ -8853,7 +9092,7 @@
   <p:cSld>
     <p:spTree>
       <p:nvGrpSpPr>
-        <p:cNvPr id="159" name="Shape 159"/>
+        <p:cNvPr id="161" name="Shape 161"/>
         <p:cNvGrpSpPr/>
         <p:nvPr/>
       </p:nvGrpSpPr>
@@ -8867,7 +9106,7 @@
       </p:grpSpPr>
       <p:sp>
         <p:nvSpPr>
-          <p:cNvPr id="160" name="Google Shape;160;p23"/>
+          <p:cNvPr id="162" name="Google Shape;162;p23"/>
           <p:cNvSpPr txBox="1"/>
           <p:nvPr>
             <p:ph type="title"/>
@@ -8876,14 +9115,14 @@
         <p:spPr>
           <a:xfrm>
             <a:off x="311700" y="410000"/>
-            <a:ext cx="8520600" cy="607800"/>
+            <a:ext cx="8669100" cy="607800"/>
           </a:xfrm>
           <a:prstGeom prst="rect">
             <a:avLst/>
           </a:prstGeom>
           <a:ln cap="flat" cmpd="sng" w="9525">
             <a:solidFill>
-              <a:schemeClr val="lt2"/>
+              <a:srgbClr val="000000"/>
             </a:solidFill>
             <a:prstDash val="dot"/>
             <a:round/>
@@ -8908,15 +9147,48 @@
             </a:pPr>
             <a:r>
               <a:rPr lang="en"/>
-              <a:t>Posting Strategy &amp; Suggestions</a:t>
+              <a:t>Extra - XGBoost &amp; SHAP</a:t>
             </a:r>
             <a:endParaRPr/>
           </a:p>
         </p:txBody>
       </p:sp>
+      <p:pic>
+        <p:nvPicPr>
+          <p:cNvPr id="163" name="Google Shape;163;p23"/>
+          <p:cNvPicPr preferRelativeResize="0"/>
+          <p:nvPr/>
+        </p:nvPicPr>
+        <p:blipFill rotWithShape="1">
+          <a:blip r:embed="rId3">
+            <a:alphaModFix/>
+          </a:blip>
+          <a:srcRect b="6250" l="7692" r="7869" t="4327"/>
+          <a:stretch/>
+        </p:blipFill>
+        <p:spPr>
+          <a:xfrm>
+            <a:off x="4589926" y="1111150"/>
+            <a:ext cx="4390924" cy="1418393"/>
+          </a:xfrm>
+          <a:prstGeom prst="rect">
+            <a:avLst/>
+          </a:prstGeom>
+          <a:noFill/>
+          <a:ln cap="flat" cmpd="sng" w="9525">
+            <a:solidFill>
+              <a:schemeClr val="lt2"/>
+            </a:solidFill>
+            <a:prstDash val="solid"/>
+            <a:round/>
+            <a:headEnd len="sm" w="sm" type="none"/>
+            <a:tailEnd len="sm" w="sm" type="none"/>
+          </a:ln>
+        </p:spPr>
+      </p:pic>
       <p:sp>
         <p:nvSpPr>
-          <p:cNvPr id="161" name="Google Shape;161;p23"/>
+          <p:cNvPr id="164" name="Google Shape;164;p23"/>
           <p:cNvSpPr txBox="1"/>
           <p:nvPr>
             <p:ph idx="4294967295" type="body"/>
@@ -8924,8 +9196,8 @@
         </p:nvSpPr>
         <p:spPr>
           <a:xfrm>
-            <a:off x="311700" y="1017800"/>
-            <a:ext cx="8520600" cy="3339000"/>
+            <a:off x="311700" y="1111150"/>
+            <a:ext cx="4168800" cy="3882900"/>
           </a:xfrm>
           <a:prstGeom prst="rect">
             <a:avLst/>
@@ -8946,196 +9218,217 @@
           </a:bodyPr>
           <a:lstStyle/>
           <a:p>
-            <a:pPr indent="-330200" lvl="0" marL="457200" rtl="0" algn="l">
-              <a:spcBef>
-                <a:spcPts val="0"/>
-              </a:spcBef>
-              <a:spcAft>
-                <a:spcPts val="0"/>
-              </a:spcAft>
-              <a:buSzPts val="1600"/>
+            <a:pPr indent="-317500" lvl="0" marL="457200" rtl="0" algn="l">
+              <a:spcBef>
+                <a:spcPts val="0"/>
+              </a:spcBef>
+              <a:spcAft>
+                <a:spcPts val="0"/>
+              </a:spcAft>
+              <a:buSzPts val="1400"/>
               <a:buAutoNum type="arabicPeriod"/>
             </a:pPr>
             <a:r>
-              <a:rPr lang="en" sz="1600"/>
-              <a:t>All </a:t>
-            </a:r>
-            <a:r>
-              <a:rPr lang="en" sz="1600"/>
-              <a:t>the</a:t>
-            </a:r>
-            <a:r>
-              <a:rPr lang="en" sz="1600"/>
-              <a:t> Social Channels should preferably post in </a:t>
-            </a:r>
-            <a:r>
-              <a:rPr b="1" lang="en" sz="1600"/>
-              <a:t>mornings (for higher impressions)</a:t>
-            </a:r>
-            <a:r>
-              <a:rPr lang="en" sz="1600"/>
-              <a:t> or </a:t>
-            </a:r>
-            <a:r>
-              <a:rPr b="1" lang="en" sz="1600"/>
-              <a:t>nights (for higher engagement rate)</a:t>
-            </a:r>
-            <a:r>
-              <a:rPr lang="en" sz="1600"/>
-              <a:t> on </a:t>
-            </a:r>
-            <a:r>
-              <a:rPr b="1" lang="en" sz="1600"/>
-              <a:t>Tuesdays, Thursdays or Sundays</a:t>
-            </a:r>
-            <a:r>
-              <a:rPr lang="en" sz="1600"/>
-              <a:t> focusing more on </a:t>
-            </a:r>
-            <a:r>
-              <a:rPr b="1" lang="en" sz="1600"/>
-              <a:t>General </a:t>
-            </a:r>
-            <a:r>
-              <a:rPr lang="en" sz="1600"/>
-              <a:t>posts </a:t>
-            </a:r>
-            <a:r>
-              <a:rPr lang="en" sz="1600"/>
-              <a:t>containing </a:t>
-            </a:r>
-            <a:r>
-              <a:rPr b="1" lang="en" sz="1600"/>
-              <a:t>Videos and Photos</a:t>
-            </a:r>
-            <a:r>
-              <a:rPr lang="en" sz="1600"/>
-              <a:t> while engaging with the community whenever possible.</a:t>
-            </a:r>
-            <a:endParaRPr sz="1600"/>
+              <a:rPr lang="en" sz="1400"/>
+              <a:t>Developed an </a:t>
+            </a:r>
+            <a:r>
+              <a:rPr b="1" lang="en" sz="1400"/>
+              <a:t>XGBoost Regression</a:t>
+            </a:r>
+            <a:r>
+              <a:rPr lang="en" sz="1400"/>
+              <a:t> model with </a:t>
+            </a:r>
+            <a:r>
+              <a:rPr b="1" lang="en" sz="1400"/>
+              <a:t>Engagement Rate</a:t>
+            </a:r>
+            <a:r>
+              <a:rPr lang="en" sz="1400"/>
+              <a:t> as the </a:t>
+            </a:r>
+            <a:r>
+              <a:rPr b="1" lang="en" sz="1400"/>
+              <a:t>target </a:t>
+            </a:r>
+            <a:r>
+              <a:rPr lang="en" sz="1400"/>
+              <a:t>variable to understand the impact of features on it.</a:t>
+            </a:r>
+            <a:endParaRPr sz="1400"/>
           </a:p>
           <a:p>
-            <a:pPr indent="-330200" lvl="0" marL="457200" rtl="0" algn="l">
-              <a:spcBef>
-                <a:spcPts val="0"/>
-              </a:spcBef>
-              <a:spcAft>
-                <a:spcPts val="0"/>
-              </a:spcAft>
-              <a:buSzPts val="1600"/>
+            <a:pPr indent="-317500" lvl="0" marL="457200" rtl="0" algn="l">
+              <a:spcBef>
+                <a:spcPts val="0"/>
+              </a:spcBef>
+              <a:spcAft>
+                <a:spcPts val="0"/>
+              </a:spcAft>
+              <a:buSzPts val="1400"/>
               <a:buAutoNum type="arabicPeriod"/>
             </a:pPr>
             <a:r>
-              <a:rPr lang="en" sz="1600"/>
-              <a:t>Social Channels could also focus specifically on the </a:t>
-            </a:r>
-            <a:r>
-              <a:rPr b="1" lang="en" sz="1600"/>
-              <a:t>DOTA 2</a:t>
-            </a:r>
-            <a:r>
-              <a:rPr lang="en" sz="1600"/>
-              <a:t> community, since the engagement rate there is so high.</a:t>
-            </a:r>
-            <a:endParaRPr sz="1600"/>
+              <a:rPr lang="en" sz="1400"/>
+              <a:t>Distribution of predicted &amp; original engagement rate is </a:t>
+            </a:r>
+            <a:r>
+              <a:rPr b="1" lang="en" sz="1400"/>
+              <a:t>similar </a:t>
+            </a:r>
+            <a:r>
+              <a:rPr lang="en" sz="1400"/>
+              <a:t>with an </a:t>
+            </a:r>
+            <a:r>
+              <a:rPr b="1" lang="en" sz="1400"/>
+              <a:t>RMSE of 5.42</a:t>
+            </a:r>
+            <a:r>
+              <a:rPr lang="en" sz="1400"/>
+              <a:t>, which can be improved, but our primary aim is to </a:t>
+            </a:r>
+            <a:r>
+              <a:rPr b="1" lang="en" sz="1400"/>
+              <a:t>understand how features interact</a:t>
+            </a:r>
+            <a:r>
+              <a:rPr lang="en" sz="1400"/>
+              <a:t> with the target variable.</a:t>
+            </a:r>
+            <a:endParaRPr sz="1400"/>
           </a:p>
           <a:p>
-            <a:pPr indent="-330200" lvl="0" marL="457200" rtl="0" algn="l">
-              <a:spcBef>
-                <a:spcPts val="0"/>
-              </a:spcBef>
-              <a:spcAft>
-                <a:spcPts val="0"/>
-              </a:spcAft>
-              <a:buSzPts val="1600"/>
+            <a:pPr indent="-317500" lvl="0" marL="457200" rtl="0" algn="l">
+              <a:spcBef>
+                <a:spcPts val="0"/>
+              </a:spcBef>
+              <a:spcAft>
+                <a:spcPts val="0"/>
+              </a:spcAft>
+              <a:buSzPts val="1400"/>
               <a:buAutoNum type="arabicPeriod"/>
             </a:pPr>
             <a:r>
-              <a:rPr lang="en" sz="1600"/>
-              <a:t>One of my suggestions for the team would be to expand towards the </a:t>
-            </a:r>
-            <a:r>
-              <a:rPr b="1" lang="en" sz="1600"/>
-              <a:t>content creators</a:t>
-            </a:r>
-            <a:r>
-              <a:rPr lang="en" sz="1600"/>
-              <a:t> front through </a:t>
-            </a:r>
-            <a:r>
-              <a:rPr b="1" lang="en" sz="1600"/>
-              <a:t>Youtube </a:t>
-            </a:r>
-            <a:r>
-              <a:rPr lang="en" sz="1600"/>
-              <a:t>or any other streaming platform, since the data shows a higher engagement rate of </a:t>
-            </a:r>
-            <a:r>
-              <a:rPr b="1" lang="en" sz="1600"/>
-              <a:t>4.07%</a:t>
-            </a:r>
-            <a:r>
-              <a:rPr lang="en" sz="1600"/>
-              <a:t> with a </a:t>
-            </a:r>
-            <a:r>
-              <a:rPr b="1" lang="en" sz="1600"/>
-              <a:t>max </a:t>
-            </a:r>
-            <a:r>
-              <a:rPr lang="en" sz="1600"/>
-              <a:t>of </a:t>
-            </a:r>
-            <a:r>
-              <a:rPr b="1" lang="en" sz="1600"/>
-              <a:t>37.93%</a:t>
-            </a:r>
-            <a:r>
-              <a:rPr lang="en" sz="1600"/>
-              <a:t>.</a:t>
-            </a:r>
-            <a:endParaRPr sz="1600"/>
+              <a:rPr b="1" lang="en" sz="1400"/>
+              <a:t>Video, Community Engagement &amp; DOTA2</a:t>
+            </a:r>
+            <a:r>
+              <a:rPr lang="en" sz="1400"/>
+              <a:t> positively affect the rate which corroborates our analyses.</a:t>
+            </a:r>
+            <a:endParaRPr sz="1400"/>
           </a:p>
           <a:p>
-            <a:pPr indent="-330200" lvl="0" marL="457200" rtl="0" algn="l">
-              <a:spcBef>
-                <a:spcPts val="0"/>
-              </a:spcBef>
-              <a:spcAft>
-                <a:spcPts val="0"/>
-              </a:spcAft>
-              <a:buSzPts val="1600"/>
+            <a:pPr indent="-317500" lvl="0" marL="457200" rtl="0" algn="l">
+              <a:spcBef>
+                <a:spcPts val="0"/>
+              </a:spcBef>
+              <a:spcAft>
+                <a:spcPts val="0"/>
+              </a:spcAft>
+              <a:buSzPts val="1400"/>
               <a:buAutoNum type="arabicPeriod"/>
             </a:pPr>
             <a:r>
-              <a:rPr lang="en" sz="1600"/>
-              <a:t>Another suggestion would be to not lose hope with the Valorant content due to recent qualification of EG’s Valorant team to Masters Tokyo.</a:t>
-            </a:r>
-            <a:endParaRPr sz="1600"/>
-          </a:p>
-          <a:p>
-            <a:pPr indent="-330200" lvl="0" marL="457200" rtl="0" algn="l">
-              <a:spcBef>
-                <a:spcPts val="0"/>
-              </a:spcBef>
-              <a:spcAft>
-                <a:spcPts val="0"/>
-              </a:spcAft>
-              <a:buSzPts val="1600"/>
-              <a:buAutoNum type="arabicPeriod"/>
-            </a:pPr>
-            <a:r>
-              <a:rPr b="1" lang="en" sz="1600"/>
-              <a:t>“Correlation is not causation”</a:t>
-            </a:r>
-            <a:r>
-              <a:rPr lang="en" sz="1600"/>
-              <a:t> should also be kept in mind!</a:t>
-            </a:r>
-            <a:endParaRPr sz="1600"/>
+              <a:rPr lang="en" sz="1400"/>
+              <a:t>Model gives insight in </a:t>
+            </a:r>
+            <a:r>
+              <a:rPr b="1" lang="en" sz="1400"/>
+              <a:t>Account Type</a:t>
+            </a:r>
+            <a:r>
+              <a:rPr lang="en" sz="1400"/>
+              <a:t> variable, where posting on </a:t>
+            </a:r>
+            <a:r>
+              <a:rPr b="1" lang="en" sz="1400"/>
+              <a:t>Facebook </a:t>
+            </a:r>
+            <a:r>
+              <a:rPr lang="en" sz="1400"/>
+              <a:t>has a positive impact on the engagement rate </a:t>
+            </a:r>
+            <a:r>
+              <a:rPr lang="en" sz="1400"/>
+              <a:t>contrary to posting on </a:t>
+            </a:r>
+            <a:r>
+              <a:rPr b="1" lang="en" sz="1400"/>
+              <a:t>Instagram</a:t>
+            </a:r>
+            <a:r>
+              <a:rPr lang="en" sz="1400"/>
+              <a:t>.</a:t>
+            </a:r>
+            <a:endParaRPr sz="1400"/>
           </a:p>
         </p:txBody>
       </p:sp>
+      <p:pic>
+        <p:nvPicPr>
+          <p:cNvPr id="165" name="Google Shape;165;p23"/>
+          <p:cNvPicPr preferRelativeResize="0"/>
+          <p:nvPr/>
+        </p:nvPicPr>
+        <p:blipFill>
+          <a:blip r:embed="rId4">
+            <a:alphaModFix/>
+          </a:blip>
+          <a:stretch>
+            <a:fillRect/>
+          </a:stretch>
+        </p:blipFill>
+        <p:spPr>
+          <a:xfrm>
+            <a:off x="4589925" y="2593100"/>
+            <a:ext cx="4390924" cy="2401025"/>
+          </a:xfrm>
+          <a:prstGeom prst="rect">
+            <a:avLst/>
+          </a:prstGeom>
+          <a:noFill/>
+          <a:ln cap="flat" cmpd="sng" w="9525">
+            <a:solidFill>
+              <a:schemeClr val="lt2"/>
+            </a:solidFill>
+            <a:prstDash val="solid"/>
+            <a:round/>
+            <a:headEnd len="sm" w="sm" type="none"/>
+            <a:tailEnd len="sm" w="sm" type="none"/>
+          </a:ln>
+        </p:spPr>
+      </p:pic>
+      <p:pic>
+        <p:nvPicPr>
+          <p:cNvPr id="166" name="Google Shape;166;p23"/>
+          <p:cNvPicPr preferRelativeResize="0"/>
+          <p:nvPr/>
+        </p:nvPicPr>
+        <p:blipFill>
+          <a:blip r:embed="rId5">
+            <a:alphaModFix/>
+          </a:blip>
+          <a:stretch>
+            <a:fillRect/>
+          </a:stretch>
+        </p:blipFill>
+        <p:spPr>
+          <a:xfrm>
+            <a:off x="7975175" y="1814650"/>
+            <a:ext cx="678575" cy="138800"/>
+          </a:xfrm>
+          <a:prstGeom prst="rect">
+            <a:avLst/>
+          </a:prstGeom>
+          <a:noFill/>
+          <a:ln>
+            <a:noFill/>
+          </a:ln>
+        </p:spPr>
+      </p:pic>
     </p:spTree>
   </p:cSld>
   <p:clrMapOvr>
@@ -9149,7 +9442,7 @@
   <p:cSld>
     <p:spTree>
       <p:nvGrpSpPr>
-        <p:cNvPr id="165" name="Shape 165"/>
+        <p:cNvPr id="170" name="Shape 170"/>
         <p:cNvGrpSpPr/>
         <p:nvPr/>
       </p:nvGrpSpPr>
@@ -9163,7 +9456,605 @@
       </p:grpSpPr>
       <p:sp>
         <p:nvSpPr>
-          <p:cNvPr id="166" name="Google Shape;166;p24"/>
+          <p:cNvPr id="171" name="Google Shape;171;p24"/>
+          <p:cNvSpPr txBox="1"/>
+          <p:nvPr>
+            <p:ph idx="4294967295" type="body"/>
+          </p:nvPr>
+        </p:nvSpPr>
+        <p:spPr>
+          <a:xfrm>
+            <a:off x="311700" y="1107050"/>
+            <a:ext cx="4260300" cy="1962000"/>
+          </a:xfrm>
+          <a:prstGeom prst="rect">
+            <a:avLst/>
+          </a:prstGeom>
+          <a:ln cap="flat" cmpd="sng" w="9525">
+            <a:solidFill>
+              <a:schemeClr val="lt2"/>
+            </a:solidFill>
+            <a:prstDash val="solid"/>
+            <a:round/>
+            <a:headEnd len="sm" w="sm" type="none"/>
+            <a:tailEnd len="sm" w="sm" type="none"/>
+          </a:ln>
+        </p:spPr>
+        <p:txBody>
+          <a:bodyPr anchorCtr="0" anchor="t" bIns="91425" lIns="91425" spcFirstLastPara="1" rIns="91425" wrap="square" tIns="91425">
+            <a:noAutofit/>
+          </a:bodyPr>
+          <a:lstStyle/>
+          <a:p>
+            <a:pPr indent="-317500" lvl="0" marL="457200" rtl="0" algn="l">
+              <a:spcBef>
+                <a:spcPts val="0"/>
+              </a:spcBef>
+              <a:spcAft>
+                <a:spcPts val="0"/>
+              </a:spcAft>
+              <a:buSzPts val="1400"/>
+              <a:buAutoNum type="arabicPeriod"/>
+            </a:pPr>
+            <a:r>
+              <a:rPr lang="en" sz="1400"/>
+              <a:t>Photos and Videos on Facebook have a considerably better engagement rate than Instagram.</a:t>
+            </a:r>
+            <a:endParaRPr sz="1400"/>
+          </a:p>
+          <a:p>
+            <a:pPr indent="-317500" lvl="0" marL="457200" rtl="0" algn="l">
+              <a:spcBef>
+                <a:spcPts val="0"/>
+              </a:spcBef>
+              <a:spcAft>
+                <a:spcPts val="0"/>
+              </a:spcAft>
+              <a:buSzPts val="1400"/>
+              <a:buAutoNum type="arabicPeriod"/>
+            </a:pPr>
+            <a:r>
+              <a:rPr lang="en" sz="1400"/>
+              <a:t>However, number of videos posted on Instagram (200) is higher than Facebook (86).</a:t>
+            </a:r>
+            <a:endParaRPr sz="1400"/>
+          </a:p>
+          <a:p>
+            <a:pPr indent="-317500" lvl="0" marL="457200" rtl="0" algn="l">
+              <a:spcBef>
+                <a:spcPts val="0"/>
+              </a:spcBef>
+              <a:spcAft>
+                <a:spcPts val="0"/>
+              </a:spcAft>
+              <a:buSzPts val="1400"/>
+              <a:buAutoNum type="arabicPeriod"/>
+            </a:pPr>
+            <a:r>
+              <a:rPr lang="en" sz="1400"/>
+              <a:t>Facebook algorithm might be better at sharing EG’s content.</a:t>
+            </a:r>
+            <a:endParaRPr sz="1400"/>
+          </a:p>
+        </p:txBody>
+      </p:sp>
+      <p:sp>
+        <p:nvSpPr>
+          <p:cNvPr id="172" name="Google Shape;172;p24"/>
+          <p:cNvSpPr txBox="1"/>
+          <p:nvPr>
+            <p:ph type="title"/>
+          </p:nvPr>
+        </p:nvSpPr>
+        <p:spPr>
+          <a:xfrm>
+            <a:off x="311700" y="410000"/>
+            <a:ext cx="8520600" cy="607800"/>
+          </a:xfrm>
+          <a:prstGeom prst="rect">
+            <a:avLst/>
+          </a:prstGeom>
+          <a:ln cap="flat" cmpd="sng" w="9525">
+            <a:solidFill>
+              <a:srgbClr val="000000"/>
+            </a:solidFill>
+            <a:prstDash val="dot"/>
+            <a:round/>
+            <a:headEnd len="sm" w="sm" type="none"/>
+            <a:tailEnd len="sm" w="sm" type="none"/>
+          </a:ln>
+        </p:spPr>
+        <p:txBody>
+          <a:bodyPr anchorCtr="0" anchor="t" bIns="91425" lIns="91425" spcFirstLastPara="1" rIns="91425" wrap="square" tIns="91425">
+            <a:noAutofit/>
+          </a:bodyPr>
+          <a:lstStyle/>
+          <a:p>
+            <a:pPr indent="0" lvl="0" marL="0" rtl="0" algn="l">
+              <a:spcBef>
+                <a:spcPts val="0"/>
+              </a:spcBef>
+              <a:spcAft>
+                <a:spcPts val="0"/>
+              </a:spcAft>
+              <a:buNone/>
+            </a:pPr>
+            <a:r>
+              <a:rPr lang="en"/>
+              <a:t>Extra</a:t>
+            </a:r>
+            <a:r>
+              <a:rPr lang="en" sz="1200"/>
+              <a:t>(contd.)</a:t>
+            </a:r>
+            <a:r>
+              <a:rPr lang="en"/>
+              <a:t> - </a:t>
+            </a:r>
+            <a:r>
+              <a:rPr lang="en"/>
+              <a:t>Account</a:t>
+            </a:r>
+            <a:r>
+              <a:rPr lang="en"/>
+              <a:t> Type</a:t>
+            </a:r>
+            <a:endParaRPr/>
+          </a:p>
+        </p:txBody>
+      </p:sp>
+      <p:pic>
+        <p:nvPicPr>
+          <p:cNvPr id="173" name="Google Shape;173;p24"/>
+          <p:cNvPicPr preferRelativeResize="0"/>
+          <p:nvPr/>
+        </p:nvPicPr>
+        <p:blipFill rotWithShape="1">
+          <a:blip r:embed="rId3">
+            <a:alphaModFix/>
+          </a:blip>
+          <a:srcRect b="0" l="13389" r="0" t="0"/>
+          <a:stretch/>
+        </p:blipFill>
+        <p:spPr>
+          <a:xfrm>
+            <a:off x="4668075" y="3158376"/>
+            <a:ext cx="4164226" cy="1630299"/>
+          </a:xfrm>
+          <a:prstGeom prst="rect">
+            <a:avLst/>
+          </a:prstGeom>
+          <a:noFill/>
+          <a:ln cap="flat" cmpd="sng" w="9525">
+            <a:solidFill>
+              <a:schemeClr val="lt2"/>
+            </a:solidFill>
+            <a:prstDash val="solid"/>
+            <a:round/>
+            <a:headEnd len="sm" w="sm" type="none"/>
+            <a:tailEnd len="sm" w="sm" type="none"/>
+          </a:ln>
+        </p:spPr>
+      </p:pic>
+      <p:pic>
+        <p:nvPicPr>
+          <p:cNvPr id="174" name="Google Shape;174;p24"/>
+          <p:cNvPicPr preferRelativeResize="0"/>
+          <p:nvPr/>
+        </p:nvPicPr>
+        <p:blipFill rotWithShape="1">
+          <a:blip r:embed="rId4">
+            <a:alphaModFix/>
+          </a:blip>
+          <a:srcRect b="0" l="13194" r="0" t="0"/>
+          <a:stretch/>
+        </p:blipFill>
+        <p:spPr>
+          <a:xfrm>
+            <a:off x="311701" y="3158377"/>
+            <a:ext cx="4260299" cy="1630297"/>
+          </a:xfrm>
+          <a:prstGeom prst="rect">
+            <a:avLst/>
+          </a:prstGeom>
+          <a:noFill/>
+          <a:ln cap="flat" cmpd="sng" w="9525">
+            <a:solidFill>
+              <a:schemeClr val="lt2"/>
+            </a:solidFill>
+            <a:prstDash val="solid"/>
+            <a:round/>
+            <a:headEnd len="sm" w="sm" type="none"/>
+            <a:tailEnd len="sm" w="sm" type="none"/>
+          </a:ln>
+        </p:spPr>
+      </p:pic>
+      <p:pic>
+        <p:nvPicPr>
+          <p:cNvPr id="175" name="Google Shape;175;p24"/>
+          <p:cNvPicPr preferRelativeResize="0"/>
+          <p:nvPr/>
+        </p:nvPicPr>
+        <p:blipFill>
+          <a:blip r:embed="rId5">
+            <a:alphaModFix/>
+          </a:blip>
+          <a:stretch>
+            <a:fillRect/>
+          </a:stretch>
+        </p:blipFill>
+        <p:spPr>
+          <a:xfrm>
+            <a:off x="4668075" y="1107100"/>
+            <a:ext cx="4164225" cy="1962000"/>
+          </a:xfrm>
+          <a:prstGeom prst="rect">
+            <a:avLst/>
+          </a:prstGeom>
+          <a:noFill/>
+          <a:ln cap="flat" cmpd="sng" w="9525">
+            <a:solidFill>
+              <a:schemeClr val="lt2"/>
+            </a:solidFill>
+            <a:prstDash val="solid"/>
+            <a:round/>
+            <a:headEnd len="sm" w="sm" type="none"/>
+            <a:tailEnd len="sm" w="sm" type="none"/>
+          </a:ln>
+        </p:spPr>
+      </p:pic>
+    </p:spTree>
+  </p:cSld>
+  <p:clrMapOvr>
+    <a:masterClrMapping/>
+  </p:clrMapOvr>
+</p:sld>
+</file>
+
+<file path=ppt/slides/slide13.xml><?xml version="1.0" encoding="utf-8"?>
+<p:sld xmlns:a="http://schemas.openxmlformats.org/drawingml/2006/main" xmlns:r="http://schemas.openxmlformats.org/officeDocument/2006/relationships" xmlns:mc="http://schemas.openxmlformats.org/markup-compatibility/2006" xmlns:mv="urn:schemas-microsoft-com:mac:vml" xmlns:p="http://schemas.openxmlformats.org/presentationml/2006/main" xmlns:c="http://schemas.openxmlformats.org/drawingml/2006/chart" xmlns:dgm="http://schemas.openxmlformats.org/drawingml/2006/diagram" xmlns:o="urn:schemas-microsoft-com:office:office" xmlns:v="urn:schemas-microsoft-com:vml" xmlns:pvml="urn:schemas-microsoft-com:office:powerpoint" xmlns:com="http://schemas.openxmlformats.org/drawingml/2006/compatibility" xmlns:p14="http://schemas.microsoft.com/office/powerpoint/2010/main" xmlns:p15="http://schemas.microsoft.com/office/powerpoint/2012/main" xmlns:ahyp="http://schemas.microsoft.com/office/drawing/2018/hyperlinkcolor">
+  <p:cSld>
+    <p:spTree>
+      <p:nvGrpSpPr>
+        <p:cNvPr id="179" name="Shape 179"/>
+        <p:cNvGrpSpPr/>
+        <p:nvPr/>
+      </p:nvGrpSpPr>
+      <p:grpSpPr>
+        <a:xfrm>
+          <a:off x="0" y="0"/>
+          <a:ext cx="0" cy="0"/>
+          <a:chOff x="0" y="0"/>
+          <a:chExt cx="0" cy="0"/>
+        </a:xfrm>
+      </p:grpSpPr>
+      <p:sp>
+        <p:nvSpPr>
+          <p:cNvPr id="180" name="Google Shape;180;p25"/>
+          <p:cNvSpPr txBox="1"/>
+          <p:nvPr>
+            <p:ph idx="4294967295" type="body"/>
+          </p:nvPr>
+        </p:nvSpPr>
+        <p:spPr>
+          <a:xfrm>
+            <a:off x="311700" y="1106650"/>
+            <a:ext cx="8520600" cy="3550500"/>
+          </a:xfrm>
+          <a:prstGeom prst="rect">
+            <a:avLst/>
+          </a:prstGeom>
+          <a:ln cap="flat" cmpd="sng" w="9525">
+            <a:solidFill>
+              <a:schemeClr val="lt2"/>
+            </a:solidFill>
+            <a:prstDash val="solid"/>
+            <a:round/>
+            <a:headEnd len="sm" w="sm" type="none"/>
+            <a:tailEnd len="sm" w="sm" type="none"/>
+          </a:ln>
+        </p:spPr>
+        <p:txBody>
+          <a:bodyPr anchorCtr="0" anchor="t" bIns="91425" lIns="91425" spcFirstLastPara="1" rIns="91425" wrap="square" tIns="91425">
+            <a:noAutofit/>
+          </a:bodyPr>
+          <a:lstStyle/>
+          <a:p>
+            <a:pPr indent="-317500" lvl="0" marL="457200" rtl="0" algn="l">
+              <a:spcBef>
+                <a:spcPts val="0"/>
+              </a:spcBef>
+              <a:spcAft>
+                <a:spcPts val="0"/>
+              </a:spcAft>
+              <a:buSzPts val="1400"/>
+              <a:buAutoNum type="arabicPeriod"/>
+            </a:pPr>
+            <a:r>
+              <a:rPr lang="en" sz="1400"/>
+              <a:t>All </a:t>
+            </a:r>
+            <a:r>
+              <a:rPr lang="en" sz="1400"/>
+              <a:t>the</a:t>
+            </a:r>
+            <a:r>
+              <a:rPr lang="en" sz="1400"/>
+              <a:t> Social Channels should preferably post in </a:t>
+            </a:r>
+            <a:r>
+              <a:rPr b="1" lang="en" sz="1400"/>
+              <a:t>mornings (for higher impressions)</a:t>
+            </a:r>
+            <a:r>
+              <a:rPr lang="en" sz="1400"/>
+              <a:t> or </a:t>
+            </a:r>
+            <a:r>
+              <a:rPr b="1" lang="en" sz="1400"/>
+              <a:t>nights (for higher engagement rate)</a:t>
+            </a:r>
+            <a:r>
+              <a:rPr lang="en" sz="1400"/>
+              <a:t> on </a:t>
+            </a:r>
+            <a:r>
+              <a:rPr b="1" lang="en" sz="1400"/>
+              <a:t>Tuesdays or Thursdays </a:t>
+            </a:r>
+            <a:r>
+              <a:rPr lang="en" sz="1400"/>
+              <a:t>focusing on </a:t>
+            </a:r>
+            <a:r>
+              <a:rPr b="1" lang="en" sz="1400"/>
+              <a:t>Community Engagement</a:t>
+            </a:r>
+            <a:r>
+              <a:rPr lang="en" sz="1400"/>
+              <a:t> </a:t>
+            </a:r>
+            <a:r>
+              <a:rPr lang="en" sz="1400"/>
+              <a:t>and/or DOTA 2 </a:t>
+            </a:r>
+            <a:r>
+              <a:rPr lang="en" sz="1400"/>
+              <a:t>content consisting of </a:t>
+            </a:r>
+            <a:r>
+              <a:rPr b="1" lang="en" sz="1400"/>
+              <a:t>Videos and Photos</a:t>
+            </a:r>
+            <a:r>
+              <a:rPr lang="en" sz="1400"/>
+              <a:t> posting on </a:t>
+            </a:r>
+            <a:r>
+              <a:rPr b="1" lang="en" sz="1400"/>
+              <a:t>Facebook</a:t>
+            </a:r>
+            <a:r>
+              <a:rPr b="1" lang="en" sz="1400"/>
+              <a:t>, Tiktok or Youtube</a:t>
+            </a:r>
+            <a:r>
+              <a:rPr lang="en" sz="1400"/>
+              <a:t>.</a:t>
+            </a:r>
+            <a:endParaRPr sz="1400"/>
+          </a:p>
+          <a:p>
+            <a:pPr indent="-317500" lvl="0" marL="457200" rtl="0" algn="l">
+              <a:spcBef>
+                <a:spcPts val="0"/>
+              </a:spcBef>
+              <a:spcAft>
+                <a:spcPts val="0"/>
+              </a:spcAft>
+              <a:buSzPts val="1400"/>
+              <a:buAutoNum type="arabicPeriod"/>
+            </a:pPr>
+            <a:r>
+              <a:rPr lang="en" sz="1400"/>
+              <a:t>Using the analysis gathered from the model, I would like to suggest the EG social media team to post more </a:t>
+            </a:r>
+            <a:r>
+              <a:rPr lang="en" sz="1400"/>
+              <a:t>Videos and Photos </a:t>
+            </a:r>
+            <a:r>
+              <a:rPr lang="en" sz="1400"/>
+              <a:t>on </a:t>
+            </a:r>
+            <a:r>
+              <a:rPr b="1" lang="en" sz="1400"/>
+              <a:t>Facebook</a:t>
+            </a:r>
+            <a:r>
+              <a:rPr lang="en" sz="1400"/>
+              <a:t>.</a:t>
+            </a:r>
+            <a:endParaRPr sz="1400"/>
+          </a:p>
+          <a:p>
+            <a:pPr indent="-317500" lvl="0" marL="457200" rtl="0" algn="l">
+              <a:spcBef>
+                <a:spcPts val="0"/>
+              </a:spcBef>
+              <a:spcAft>
+                <a:spcPts val="0"/>
+              </a:spcAft>
+              <a:buSzPts val="1400"/>
+              <a:buAutoNum type="arabicPeriod"/>
+            </a:pPr>
+            <a:r>
+              <a:rPr lang="en" sz="1400"/>
+              <a:t>One of my other </a:t>
+            </a:r>
+            <a:r>
+              <a:rPr lang="en" sz="1400"/>
+              <a:t>suggestions would be to expand towards the </a:t>
+            </a:r>
+            <a:r>
+              <a:rPr b="1" lang="en" sz="1400"/>
+              <a:t>content creators</a:t>
+            </a:r>
+            <a:r>
+              <a:rPr lang="en" sz="1400"/>
+              <a:t> front through </a:t>
+            </a:r>
+            <a:r>
+              <a:rPr b="1" lang="en" sz="1400"/>
+              <a:t>Youtube </a:t>
+            </a:r>
+            <a:r>
+              <a:rPr lang="en" sz="1400"/>
+              <a:t>or any other streaming platform, since the data shows a higher engagement rate of </a:t>
+            </a:r>
+            <a:r>
+              <a:rPr b="1" lang="en" sz="1400"/>
+              <a:t>4.07%</a:t>
+            </a:r>
+            <a:r>
+              <a:rPr lang="en" sz="1400"/>
+              <a:t> with a </a:t>
+            </a:r>
+            <a:r>
+              <a:rPr b="1" lang="en" sz="1400"/>
+              <a:t>max </a:t>
+            </a:r>
+            <a:r>
+              <a:rPr lang="en" sz="1400"/>
+              <a:t>of </a:t>
+            </a:r>
+            <a:r>
+              <a:rPr b="1" lang="en" sz="1400"/>
+              <a:t>37.93%</a:t>
+            </a:r>
+            <a:r>
+              <a:rPr lang="en" sz="1400"/>
+              <a:t>.</a:t>
+            </a:r>
+            <a:endParaRPr sz="1400"/>
+          </a:p>
+          <a:p>
+            <a:pPr indent="-317500" lvl="0" marL="457200" rtl="0" algn="l">
+              <a:spcBef>
+                <a:spcPts val="0"/>
+              </a:spcBef>
+              <a:spcAft>
+                <a:spcPts val="0"/>
+              </a:spcAft>
+              <a:buSzPts val="1400"/>
+              <a:buAutoNum type="arabicPeriod"/>
+            </a:pPr>
+            <a:r>
+              <a:rPr lang="en" sz="1400"/>
+              <a:t>Another suggestion for the team would be to not lose hope with the Valorant content due to recent qualification of EG’s Valorant team to Masters Tokyo.</a:t>
+            </a:r>
+            <a:endParaRPr sz="1400"/>
+          </a:p>
+          <a:p>
+            <a:pPr indent="-317500" lvl="0" marL="457200" rtl="0" algn="l">
+              <a:spcBef>
+                <a:spcPts val="0"/>
+              </a:spcBef>
+              <a:spcAft>
+                <a:spcPts val="0"/>
+              </a:spcAft>
+              <a:buSzPts val="1400"/>
+              <a:buAutoNum type="arabicPeriod"/>
+            </a:pPr>
+            <a:r>
+              <a:rPr b="1" lang="en" sz="1400"/>
+              <a:t>“Correlation is not causation”</a:t>
+            </a:r>
+            <a:r>
+              <a:rPr lang="en" sz="1400"/>
+              <a:t> should be kept in mind!</a:t>
+            </a:r>
+            <a:endParaRPr sz="1400"/>
+          </a:p>
+        </p:txBody>
+      </p:sp>
+      <p:sp>
+        <p:nvSpPr>
+          <p:cNvPr id="181" name="Google Shape;181;p25"/>
+          <p:cNvSpPr txBox="1"/>
+          <p:nvPr>
+            <p:ph type="title"/>
+          </p:nvPr>
+        </p:nvSpPr>
+        <p:spPr>
+          <a:xfrm>
+            <a:off x="311700" y="410000"/>
+            <a:ext cx="8520600" cy="607800"/>
+          </a:xfrm>
+          <a:prstGeom prst="rect">
+            <a:avLst/>
+          </a:prstGeom>
+          <a:ln cap="flat" cmpd="sng" w="9525">
+            <a:solidFill>
+              <a:srgbClr val="000000"/>
+            </a:solidFill>
+            <a:prstDash val="dot"/>
+            <a:round/>
+            <a:headEnd len="sm" w="sm" type="none"/>
+            <a:tailEnd len="sm" w="sm" type="none"/>
+          </a:ln>
+        </p:spPr>
+        <p:txBody>
+          <a:bodyPr anchorCtr="0" anchor="t" bIns="91425" lIns="91425" spcFirstLastPara="1" rIns="91425" wrap="square" tIns="91425">
+            <a:noAutofit/>
+          </a:bodyPr>
+          <a:lstStyle/>
+          <a:p>
+            <a:pPr indent="0" lvl="0" marL="0" rtl="0" algn="l">
+              <a:spcBef>
+                <a:spcPts val="0"/>
+              </a:spcBef>
+              <a:spcAft>
+                <a:spcPts val="0"/>
+              </a:spcAft>
+              <a:buNone/>
+            </a:pPr>
+            <a:r>
+              <a:rPr lang="en"/>
+              <a:t>Posting Strategy &amp; Suggestions</a:t>
+            </a:r>
+            <a:endParaRPr/>
+          </a:p>
+        </p:txBody>
+      </p:sp>
+    </p:spTree>
+  </p:cSld>
+  <p:clrMapOvr>
+    <a:masterClrMapping/>
+  </p:clrMapOvr>
+</p:sld>
+</file>
+
+<file path=ppt/slides/slide14.xml><?xml version="1.0" encoding="utf-8"?>
+<p:sld xmlns:a="http://schemas.openxmlformats.org/drawingml/2006/main" xmlns:r="http://schemas.openxmlformats.org/officeDocument/2006/relationships" xmlns:mc="http://schemas.openxmlformats.org/markup-compatibility/2006" xmlns:mv="urn:schemas-microsoft-com:mac:vml" xmlns:p="http://schemas.openxmlformats.org/presentationml/2006/main" xmlns:c="http://schemas.openxmlformats.org/drawingml/2006/chart" xmlns:dgm="http://schemas.openxmlformats.org/drawingml/2006/diagram" xmlns:o="urn:schemas-microsoft-com:office:office" xmlns:v="urn:schemas-microsoft-com:vml" xmlns:pvml="urn:schemas-microsoft-com:office:powerpoint" xmlns:com="http://schemas.openxmlformats.org/drawingml/2006/compatibility" xmlns:p14="http://schemas.microsoft.com/office/powerpoint/2010/main" xmlns:p15="http://schemas.microsoft.com/office/powerpoint/2012/main" xmlns:ahyp="http://schemas.microsoft.com/office/drawing/2018/hyperlinkcolor">
+  <p:cSld>
+    <p:spTree>
+      <p:nvGrpSpPr>
+        <p:cNvPr id="185" name="Shape 185"/>
+        <p:cNvGrpSpPr/>
+        <p:nvPr/>
+      </p:nvGrpSpPr>
+      <p:grpSpPr>
+        <a:xfrm>
+          <a:off x="0" y="0"/>
+          <a:ext cx="0" cy="0"/>
+          <a:chOff x="0" y="0"/>
+          <a:chExt cx="0" cy="0"/>
+        </a:xfrm>
+      </p:grpSpPr>
+      <p:sp>
+        <p:nvSpPr>
+          <p:cNvPr id="186" name="Google Shape;186;p26"/>
           <p:cNvSpPr txBox="1"/>
           <p:nvPr>
             <p:ph type="title"/>
@@ -9244,7 +10135,7 @@
           </a:prstGeom>
           <a:ln cap="flat" cmpd="sng" w="9525">
             <a:solidFill>
-              <a:schemeClr val="lt2"/>
+              <a:srgbClr val="000000"/>
             </a:solidFill>
             <a:prstDash val="dot"/>
             <a:round/>
@@ -9307,7 +10198,7 @@
           </a:bodyPr>
           <a:lstStyle/>
           <a:p>
-            <a:pPr indent="-342900" lvl="0" marL="457200" rtl="0" algn="l">
+            <a:pPr indent="-317500" lvl="0" marL="457200" rtl="0" algn="l">
               <a:lnSpc>
                 <a:spcPct val="100000"/>
               </a:lnSpc>
@@ -9320,18 +10211,18 @@
               <a:buClr>
                 <a:schemeClr val="dk2"/>
               </a:buClr>
-              <a:buSzPts val="1800"/>
+              <a:buSzPts val="1400"/>
               <a:buFont typeface="Roboto"/>
               <a:buAutoNum type="arabicPeriod"/>
             </a:pPr>
             <a:r>
-              <a:rPr b="1" lang="en"/>
+              <a:rPr b="1" lang="en" sz="1400"/>
               <a:t>Data</a:t>
             </a:r>
-            <a:endParaRPr b="1"/>
+            <a:endParaRPr b="1" sz="1400"/>
           </a:p>
           <a:p>
-            <a:pPr indent="-342900" lvl="1" marL="914400" rtl="0" algn="l">
+            <a:pPr indent="-317500" lvl="1" marL="914400" rtl="0" algn="l">
               <a:lnSpc>
                 <a:spcPct val="100000"/>
               </a:lnSpc>
@@ -9344,18 +10235,18 @@
               <a:buClr>
                 <a:schemeClr val="dk2"/>
               </a:buClr>
-              <a:buSzPts val="1800"/>
+              <a:buSzPts val="1400"/>
               <a:buFont typeface="Roboto"/>
               <a:buAutoNum type="alphaLcPeriod"/>
             </a:pPr>
             <a:r>
-              <a:rPr lang="en" sz="1800"/>
+              <a:rPr lang="en"/>
               <a:t>General</a:t>
             </a:r>
-            <a:endParaRPr sz="1800"/>
+            <a:endParaRPr/>
           </a:p>
           <a:p>
-            <a:pPr indent="-342900" lvl="1" marL="914400" rtl="0" algn="l">
+            <a:pPr indent="-317500" lvl="1" marL="914400" rtl="0" algn="l">
               <a:lnSpc>
                 <a:spcPct val="100000"/>
               </a:lnSpc>
@@ -9368,18 +10259,18 @@
               <a:buClr>
                 <a:schemeClr val="dk2"/>
               </a:buClr>
-              <a:buSzPts val="1800"/>
+              <a:buSzPts val="1400"/>
               <a:buFont typeface="Roboto"/>
               <a:buAutoNum type="alphaLcPeriod"/>
             </a:pPr>
             <a:r>
-              <a:rPr lang="en" sz="1800"/>
+              <a:rPr lang="en"/>
               <a:t>Cleaning</a:t>
             </a:r>
-            <a:endParaRPr sz="1800"/>
+            <a:endParaRPr/>
           </a:p>
           <a:p>
-            <a:pPr indent="-342900" lvl="1" marL="914400" rtl="0" algn="l">
+            <a:pPr indent="-317500" lvl="1" marL="914400" rtl="0" algn="l">
               <a:lnSpc>
                 <a:spcPct val="100000"/>
               </a:lnSpc>
@@ -9392,18 +10283,18 @@
               <a:buClr>
                 <a:schemeClr val="dk2"/>
               </a:buClr>
-              <a:buSzPts val="1800"/>
+              <a:buSzPts val="1400"/>
               <a:buFont typeface="Roboto"/>
               <a:buAutoNum type="alphaLcPeriod"/>
             </a:pPr>
             <a:r>
-              <a:rPr lang="en" sz="1800"/>
+              <a:rPr lang="en"/>
               <a:t>Outliers</a:t>
             </a:r>
-            <a:endParaRPr sz="1800"/>
+            <a:endParaRPr/>
           </a:p>
           <a:p>
-            <a:pPr indent="-342900" lvl="0" marL="457200" rtl="0" algn="l">
+            <a:pPr indent="-317500" lvl="0" marL="457200" rtl="0" algn="l">
               <a:lnSpc>
                 <a:spcPct val="100000"/>
               </a:lnSpc>
@@ -9416,18 +10307,18 @@
               <a:buClr>
                 <a:schemeClr val="dk2"/>
               </a:buClr>
-              <a:buSzPts val="1800"/>
+              <a:buSzPts val="1400"/>
               <a:buFont typeface="Roboto"/>
               <a:buAutoNum type="arabicPeriod"/>
             </a:pPr>
             <a:r>
-              <a:rPr b="1" lang="en"/>
+              <a:rPr b="1" lang="en" sz="1400"/>
               <a:t>Questions on Engagement Rate</a:t>
             </a:r>
-            <a:endParaRPr b="1"/>
+            <a:endParaRPr b="1" sz="1400"/>
           </a:p>
           <a:p>
-            <a:pPr indent="-342900" lvl="1" marL="914400" rtl="0" algn="l">
+            <a:pPr indent="-317500" lvl="1" marL="914400" rtl="0" algn="l">
               <a:lnSpc>
                 <a:spcPct val="100000"/>
               </a:lnSpc>
@@ -9440,18 +10331,18 @@
               <a:buClr>
                 <a:schemeClr val="dk2"/>
               </a:buClr>
-              <a:buSzPts val="1800"/>
+              <a:buSzPts val="1400"/>
               <a:buFont typeface="Roboto"/>
               <a:buAutoNum type="alphaLcPeriod"/>
             </a:pPr>
             <a:r>
-              <a:rPr lang="en" sz="1800"/>
+              <a:rPr lang="en"/>
               <a:t>Typical Reach</a:t>
             </a:r>
-            <a:endParaRPr sz="1800"/>
+            <a:endParaRPr/>
           </a:p>
           <a:p>
-            <a:pPr indent="-342900" lvl="1" marL="914400" rtl="0" algn="l">
+            <a:pPr indent="-317500" lvl="1" marL="914400" rtl="0" algn="l">
               <a:lnSpc>
                 <a:spcPct val="100000"/>
               </a:lnSpc>
@@ -9464,18 +10355,18 @@
               <a:buClr>
                 <a:schemeClr val="dk2"/>
               </a:buClr>
-              <a:buSzPts val="1800"/>
+              <a:buSzPts val="1400"/>
               <a:buFont typeface="Roboto"/>
               <a:buAutoNum type="alphaLcPeriod"/>
             </a:pPr>
             <a:r>
-              <a:rPr lang="en" sz="1800"/>
+              <a:rPr lang="en"/>
               <a:t>Day and Time of Posting</a:t>
             </a:r>
-            <a:endParaRPr sz="1800"/>
+            <a:endParaRPr/>
           </a:p>
           <a:p>
-            <a:pPr indent="-342900" lvl="1" marL="914400" rtl="0" algn="l">
+            <a:pPr indent="-317500" lvl="1" marL="914400" rtl="0" algn="l">
               <a:lnSpc>
                 <a:spcPct val="100000"/>
               </a:lnSpc>
@@ -9488,18 +10379,18 @@
               <a:buClr>
                 <a:schemeClr val="dk2"/>
               </a:buClr>
-              <a:buSzPts val="1800"/>
+              <a:buSzPts val="1400"/>
               <a:buFont typeface="Roboto"/>
               <a:buAutoNum type="alphaLcPeriod"/>
             </a:pPr>
             <a:r>
-              <a:rPr lang="en" sz="1800"/>
+              <a:rPr lang="en"/>
               <a:t>Game Titles</a:t>
             </a:r>
-            <a:endParaRPr sz="1800"/>
+            <a:endParaRPr/>
           </a:p>
           <a:p>
-            <a:pPr indent="-342900" lvl="1" marL="914400" rtl="0" algn="l">
+            <a:pPr indent="-317500" lvl="1" marL="914400" rtl="0" algn="l">
               <a:lnSpc>
                 <a:spcPct val="100000"/>
               </a:lnSpc>
@@ -9512,18 +10403,18 @@
               <a:buClr>
                 <a:schemeClr val="dk2"/>
               </a:buClr>
-              <a:buSzPts val="1800"/>
+              <a:buSzPts val="1400"/>
               <a:buFont typeface="Roboto"/>
               <a:buAutoNum type="alphaLcPeriod"/>
             </a:pPr>
             <a:r>
-              <a:rPr lang="en" sz="1800"/>
+              <a:rPr lang="en"/>
               <a:t>Media Types</a:t>
             </a:r>
-            <a:endParaRPr sz="1800"/>
+            <a:endParaRPr/>
           </a:p>
           <a:p>
-            <a:pPr indent="-342900" lvl="1" marL="914400" rtl="0" algn="l">
+            <a:pPr indent="-317500" lvl="1" marL="914400" rtl="0" algn="l">
               <a:lnSpc>
                 <a:spcPct val="100000"/>
               </a:lnSpc>
@@ -9536,18 +10427,18 @@
               <a:buClr>
                 <a:schemeClr val="dk2"/>
               </a:buClr>
-              <a:buSzPts val="1800"/>
+              <a:buSzPts val="1400"/>
               <a:buFont typeface="Roboto"/>
               <a:buAutoNum type="alphaLcPeriod"/>
             </a:pPr>
             <a:r>
-              <a:rPr lang="en" sz="1800"/>
+              <a:rPr lang="en"/>
               <a:t>Campaigns</a:t>
             </a:r>
-            <a:endParaRPr sz="1800"/>
+            <a:endParaRPr/>
           </a:p>
           <a:p>
-            <a:pPr indent="-342900" lvl="0" marL="457200" rtl="0" algn="l">
+            <a:pPr indent="-317500" lvl="0" marL="457200" rtl="0" algn="l">
               <a:lnSpc>
                 <a:spcPct val="100000"/>
               </a:lnSpc>
@@ -9560,15 +10451,15 @@
               <a:buClr>
                 <a:schemeClr val="dk2"/>
               </a:buClr>
-              <a:buSzPts val="1800"/>
+              <a:buSzPts val="1400"/>
               <a:buFont typeface="Roboto"/>
               <a:buAutoNum type="arabicPeriod"/>
             </a:pPr>
             <a:r>
-              <a:rPr b="1" lang="en"/>
+              <a:rPr b="1" lang="en" sz="1400"/>
               <a:t>Posting Strategy &amp; Suggestions</a:t>
             </a:r>
-            <a:endParaRPr b="1" sz="1600"/>
+            <a:endParaRPr b="1" sz="1400"/>
           </a:p>
         </p:txBody>
       </p:sp>
@@ -9615,7 +10506,7 @@
           </a:prstGeom>
           <a:ln cap="flat" cmpd="sng" w="9525">
             <a:solidFill>
-              <a:schemeClr val="lt2"/>
+              <a:srgbClr val="000000"/>
             </a:solidFill>
             <a:prstDash val="dot"/>
             <a:round/>
@@ -9656,8 +10547,8 @@
         </p:nvSpPr>
         <p:spPr>
           <a:xfrm>
-            <a:off x="311700" y="1210050"/>
-            <a:ext cx="3393600" cy="2723400"/>
+            <a:off x="311700" y="1164900"/>
+            <a:ext cx="3393600" cy="3387000"/>
           </a:xfrm>
           <a:prstGeom prst="rect">
             <a:avLst/>
@@ -9678,7 +10569,7 @@
           </a:bodyPr>
           <a:lstStyle/>
           <a:p>
-            <a:pPr indent="-342900" lvl="0" marL="457200" rtl="0" algn="l">
+            <a:pPr indent="-330200" lvl="0" marL="457200" rtl="0" algn="l">
               <a:lnSpc>
                 <a:spcPct val="100000"/>
               </a:lnSpc>
@@ -9691,42 +10582,30 @@
               <a:buClr>
                 <a:schemeClr val="dk2"/>
               </a:buClr>
-              <a:buSzPts val="1800"/>
+              <a:buSzPts val="1600"/>
               <a:buFont typeface="Roboto"/>
               <a:buAutoNum type="arabicPeriod"/>
             </a:pPr>
             <a:r>
-              <a:rPr lang="en"/>
-              <a:t>Contains </a:t>
-            </a:r>
-            <a:r>
-              <a:rPr b="1" lang="en"/>
-              <a:t>Impression </a:t>
-            </a:r>
-            <a:r>
-              <a:rPr lang="en"/>
-              <a:t>and </a:t>
-            </a:r>
-            <a:r>
-              <a:rPr b="1" lang="en"/>
-              <a:t>Engagement </a:t>
-            </a:r>
-            <a:r>
-              <a:rPr lang="en"/>
-              <a:t>statistics for posts made by different </a:t>
-            </a:r>
-            <a:r>
-              <a:rPr b="1" lang="en"/>
-              <a:t>EG </a:t>
-            </a:r>
-            <a:r>
-              <a:rPr lang="en"/>
-              <a:t>accounts on different platforms.</a:t>
-            </a:r>
-            <a:endParaRPr/>
+              <a:rPr b="1" lang="en" sz="1600"/>
+              <a:t>3479 </a:t>
+            </a:r>
+            <a:r>
+              <a:rPr lang="en" sz="1600"/>
+              <a:t>rows with </a:t>
+            </a:r>
+            <a:r>
+              <a:rPr b="1" lang="en" sz="1600"/>
+              <a:t>966</a:t>
+            </a:r>
+            <a:r>
+              <a:rPr lang="en" sz="1600"/>
+              <a:t> rows having 0 Total Engagement.</a:t>
+            </a:r>
+            <a:endParaRPr sz="1600"/>
           </a:p>
           <a:p>
-            <a:pPr indent="-342900" lvl="0" marL="457200" rtl="0" algn="l">
+            <a:pPr indent="-330200" lvl="0" marL="457200" rtl="0" algn="l">
               <a:lnSpc>
                 <a:spcPct val="100000"/>
               </a:lnSpc>
@@ -9739,13 +10618,77 @@
               <a:buClr>
                 <a:schemeClr val="dk2"/>
               </a:buClr>
-              <a:buSzPts val="1800"/>
+              <a:buSzPts val="1600"/>
               <a:buFont typeface="Roboto"/>
               <a:buAutoNum type="arabicPeriod"/>
             </a:pPr>
             <a:r>
-              <a:rPr lang="en"/>
-              <a:t>Also contains the date &amp; time as well as the type of media associated with the post.</a:t>
+              <a:rPr lang="en" sz="1600"/>
+              <a:t>Contains </a:t>
+            </a:r>
+            <a:r>
+              <a:rPr b="1" lang="en" sz="1600"/>
+              <a:t>Impression </a:t>
+            </a:r>
+            <a:r>
+              <a:rPr lang="en" sz="1600"/>
+              <a:t>and </a:t>
+            </a:r>
+            <a:r>
+              <a:rPr b="1" lang="en" sz="1600"/>
+              <a:t>Engagement </a:t>
+            </a:r>
+            <a:r>
+              <a:rPr lang="en" sz="1600"/>
+              <a:t>statistics for posts made by different </a:t>
+            </a:r>
+            <a:r>
+              <a:rPr b="1" lang="en" sz="1600"/>
+              <a:t>EG </a:t>
+            </a:r>
+            <a:r>
+              <a:rPr lang="en" sz="1600"/>
+              <a:t>accounts on different platforms.</a:t>
+            </a:r>
+            <a:endParaRPr sz="1600"/>
+          </a:p>
+          <a:p>
+            <a:pPr indent="-330200" lvl="0" marL="457200" rtl="0" algn="l">
+              <a:lnSpc>
+                <a:spcPct val="100000"/>
+              </a:lnSpc>
+              <a:spcBef>
+                <a:spcPts val="0"/>
+              </a:spcBef>
+              <a:spcAft>
+                <a:spcPts val="0"/>
+              </a:spcAft>
+              <a:buClr>
+                <a:schemeClr val="dk2"/>
+              </a:buClr>
+              <a:buSzPts val="1600"/>
+              <a:buFont typeface="Roboto"/>
+              <a:buAutoNum type="arabicPeriod"/>
+            </a:pPr>
+            <a:r>
+              <a:rPr lang="en" sz="1600"/>
+              <a:t>Also contains the </a:t>
+            </a:r>
+            <a:r>
+              <a:rPr b="1" lang="en" sz="1600"/>
+              <a:t>date &amp; time</a:t>
+            </a:r>
+            <a:r>
+              <a:rPr lang="en" sz="1600"/>
+              <a:t> as well as the </a:t>
+            </a:r>
+            <a:r>
+              <a:rPr b="1" lang="en" sz="1600"/>
+              <a:t>type of media</a:t>
+            </a:r>
+            <a:r>
+              <a:rPr lang="en" sz="1600"/>
+              <a:t> associated with the post.</a:t>
             </a:r>
             <a:endParaRPr b="1" sz="1600"/>
           </a:p>
@@ -9767,8 +10710,8 @@
         </p:blipFill>
         <p:spPr>
           <a:xfrm>
-            <a:off x="3906900" y="1210050"/>
-            <a:ext cx="4925400" cy="2723400"/>
+            <a:off x="3906900" y="1164900"/>
+            <a:ext cx="4925400" cy="3387175"/>
           </a:xfrm>
           <a:prstGeom prst="rect">
             <a:avLst/>
@@ -9776,7 +10719,7 @@
           <a:noFill/>
           <a:ln cap="flat" cmpd="sng" w="9525">
             <a:solidFill>
-              <a:schemeClr val="dk2"/>
+              <a:schemeClr val="lt2"/>
             </a:solidFill>
             <a:prstDash val="solid"/>
             <a:round/>
@@ -9828,7 +10771,7 @@
           </a:prstGeom>
           <a:ln cap="flat" cmpd="sng" w="9525">
             <a:solidFill>
-              <a:schemeClr val="lt2"/>
+              <a:srgbClr val="000000"/>
             </a:solidFill>
             <a:prstDash val="dot"/>
             <a:round/>
@@ -9875,15 +10818,21 @@
         </p:blipFill>
         <p:spPr>
           <a:xfrm>
-            <a:off x="4820088" y="3131750"/>
+            <a:off x="4820075" y="3131750"/>
             <a:ext cx="4012200" cy="694193"/>
           </a:xfrm>
           <a:prstGeom prst="rect">
             <a:avLst/>
           </a:prstGeom>
           <a:noFill/>
-          <a:ln>
-            <a:noFill/>
+          <a:ln cap="flat" cmpd="sng" w="9525">
+            <a:solidFill>
+              <a:schemeClr val="lt2"/>
+            </a:solidFill>
+            <a:prstDash val="solid"/>
+            <a:round/>
+            <a:headEnd len="sm" w="sm" type="none"/>
+            <a:tailEnd len="sm" w="sm" type="none"/>
           </a:ln>
         </p:spPr>
       </p:pic>
@@ -9903,8 +10852,8 @@
         </p:blipFill>
         <p:spPr>
           <a:xfrm>
-            <a:off x="5564113" y="1284188"/>
-            <a:ext cx="2524125" cy="1581150"/>
+            <a:off x="5564125" y="1160425"/>
+            <a:ext cx="2524125" cy="1768007"/>
           </a:xfrm>
           <a:prstGeom prst="rect">
             <a:avLst/>
@@ -9912,7 +10861,7 @@
           <a:noFill/>
           <a:ln cap="flat" cmpd="sng" w="9525">
             <a:solidFill>
-              <a:schemeClr val="dk2"/>
+              <a:schemeClr val="lt2"/>
             </a:solidFill>
             <a:prstDash val="solid"/>
             <a:round/>
@@ -9931,8 +10880,8 @@
         </p:nvSpPr>
         <p:spPr>
           <a:xfrm>
-            <a:off x="311700" y="1197000"/>
-            <a:ext cx="4260300" cy="3339000"/>
+            <a:off x="311700" y="1160425"/>
+            <a:ext cx="4260300" cy="3375600"/>
           </a:xfrm>
           <a:prstGeom prst="rect">
             <a:avLst/>
@@ -9953,7 +10902,7 @@
           </a:bodyPr>
           <a:lstStyle/>
           <a:p>
-            <a:pPr indent="-342900" lvl="0" marL="457200" rtl="0" algn="l">
+            <a:pPr indent="-330200" lvl="0" marL="457200" rtl="0" algn="l">
               <a:lnSpc>
                 <a:spcPct val="100000"/>
               </a:lnSpc>
@@ -9966,22 +10915,22 @@
               <a:buClr>
                 <a:schemeClr val="dk2"/>
               </a:buClr>
-              <a:buSzPts val="1800"/>
+              <a:buSzPts val="1600"/>
               <a:buFont typeface="Roboto"/>
               <a:buAutoNum type="arabicPeriod"/>
             </a:pPr>
             <a:r>
-              <a:rPr b="1" lang="en"/>
+              <a:rPr b="1" lang="en" sz="1600"/>
               <a:t>No </a:t>
             </a:r>
             <a:r>
-              <a:rPr lang="en"/>
+              <a:rPr lang="en" sz="1600"/>
               <a:t>NaN values present.</a:t>
             </a:r>
-            <a:endParaRPr/>
+            <a:endParaRPr sz="1600"/>
           </a:p>
           <a:p>
-            <a:pPr indent="-342900" lvl="0" marL="457200" rtl="0" algn="l">
+            <a:pPr indent="-330200" lvl="0" marL="457200" rtl="0" algn="l">
               <a:lnSpc>
                 <a:spcPct val="100000"/>
               </a:lnSpc>
@@ -9994,62 +10943,62 @@
               <a:buClr>
                 <a:schemeClr val="dk2"/>
               </a:buClr>
-              <a:buSzPts val="1800"/>
+              <a:buSzPts val="1600"/>
               <a:buFont typeface="Roboto"/>
               <a:buAutoNum type="arabicPeriod"/>
             </a:pPr>
             <a:r>
-              <a:rPr b="1" lang="en"/>
+              <a:rPr b="1" lang="en" sz="1600"/>
               <a:t>‘Account’ </a:t>
             </a:r>
             <a:r>
-              <a:rPr lang="en"/>
+              <a:rPr lang="en" sz="1600"/>
               <a:t>column had </a:t>
             </a:r>
             <a:r>
-              <a:rPr b="1" lang="en" u="sng"/>
+              <a:rPr b="1" lang="en" sz="1600" u="sng"/>
               <a:t>‘General’</a:t>
             </a:r>
             <a:r>
-              <a:rPr b="1" lang="en"/>
+              <a:rPr b="1" lang="en" sz="1600"/>
               <a:t> </a:t>
             </a:r>
             <a:r>
-              <a:rPr lang="en"/>
+              <a:rPr lang="en" sz="1600"/>
               <a:t>and </a:t>
             </a:r>
             <a:r>
-              <a:rPr b="1" lang="en" u="sng"/>
+              <a:rPr b="1" lang="en" sz="1600" u="sng"/>
               <a:t>‘General </a:t>
             </a:r>
             <a:r>
-              <a:rPr lang="en" u="sng"/>
+              <a:rPr lang="en" sz="1600" u="sng"/>
               <a:t>‘</a:t>
             </a:r>
             <a:r>
-              <a:rPr lang="en"/>
+              <a:rPr lang="en" sz="1600"/>
               <a:t> with </a:t>
             </a:r>
             <a:r>
-              <a:rPr b="1" lang="en"/>
+              <a:rPr b="1" lang="en" sz="1600"/>
               <a:t>‘LINKEDIN_COMPANY’ </a:t>
             </a:r>
             <a:r>
-              <a:rPr lang="en"/>
+              <a:rPr lang="en" sz="1600"/>
               <a:t>as the </a:t>
             </a:r>
             <a:r>
-              <a:rPr b="1" lang="en"/>
+              <a:rPr b="1" lang="en" sz="1600"/>
               <a:t>‘Account Type’ </a:t>
             </a:r>
             <a:r>
-              <a:rPr lang="en"/>
+              <a:rPr lang="en" sz="1600"/>
               <a:t>under the first value.</a:t>
             </a:r>
-            <a:endParaRPr/>
+            <a:endParaRPr sz="1600"/>
           </a:p>
           <a:p>
-            <a:pPr indent="-342900" lvl="1" marL="914400" rtl="0" algn="l">
+            <a:pPr indent="-330200" lvl="1" marL="914400" rtl="0" algn="l">
               <a:lnSpc>
                 <a:spcPct val="100000"/>
               </a:lnSpc>
@@ -10062,26 +11011,26 @@
               <a:buClr>
                 <a:schemeClr val="dk2"/>
               </a:buClr>
-              <a:buSzPts val="1800"/>
+              <a:buSzPts val="1600"/>
               <a:buFont typeface="Roboto"/>
               <a:buAutoNum type="alphaLcPeriod"/>
             </a:pPr>
             <a:r>
-              <a:rPr lang="en" sz="1800"/>
+              <a:rPr lang="en" sz="1600"/>
               <a:t>Solution - Combined together into one </a:t>
             </a:r>
             <a:r>
-              <a:rPr b="1" lang="en" sz="1800" u="sng"/>
+              <a:rPr b="1" lang="en" sz="1600" u="sng"/>
               <a:t>‘General’</a:t>
             </a:r>
             <a:r>
-              <a:rPr lang="en" sz="1800"/>
+              <a:rPr lang="en" sz="1600"/>
               <a:t>.</a:t>
             </a:r>
-            <a:endParaRPr sz="1800"/>
+            <a:endParaRPr sz="1600"/>
           </a:p>
           <a:p>
-            <a:pPr indent="-342900" lvl="0" marL="457200" rtl="0" algn="l">
+            <a:pPr indent="-330200" lvl="0" marL="457200" rtl="0" algn="l">
               <a:lnSpc>
                 <a:spcPct val="100000"/>
               </a:lnSpc>
@@ -10094,23 +11043,23 @@
               <a:buClr>
                 <a:schemeClr val="dk2"/>
               </a:buClr>
-              <a:buSzPts val="1800"/>
+              <a:buSzPts val="1600"/>
               <a:buFont typeface="Roboto"/>
               <a:buAutoNum type="arabicPeriod"/>
             </a:pPr>
             <a:r>
-              <a:rPr lang="en"/>
+              <a:rPr lang="en" sz="1600"/>
               <a:t>Calculated </a:t>
             </a:r>
             <a:r>
-              <a:rPr b="1" lang="en"/>
+              <a:rPr b="1" lang="en" sz="1600"/>
               <a:t>Engagement Rate </a:t>
             </a:r>
             <a:r>
-              <a:rPr lang="en"/>
+              <a:rPr lang="en" sz="1600"/>
               <a:t>using the formula given on the right.</a:t>
             </a:r>
-            <a:endParaRPr sz="1600"/>
+            <a:endParaRPr sz="1400"/>
           </a:p>
         </p:txBody>
       </p:sp>
@@ -10150,14 +11099,14 @@
         <p:spPr>
           <a:xfrm>
             <a:off x="311700" y="410000"/>
-            <a:ext cx="2583900" cy="607800"/>
+            <a:ext cx="4838400" cy="607800"/>
           </a:xfrm>
           <a:prstGeom prst="rect">
             <a:avLst/>
           </a:prstGeom>
           <a:ln cap="flat" cmpd="sng" w="9525">
             <a:solidFill>
-              <a:schemeClr val="lt2"/>
+              <a:srgbClr val="000000"/>
             </a:solidFill>
             <a:prstDash val="dot"/>
             <a:round/>
@@ -10203,15 +11152,21 @@
         </p:blipFill>
         <p:spPr>
           <a:xfrm>
-            <a:off x="5618425" y="410000"/>
-            <a:ext cx="3525576" cy="2077764"/>
+            <a:off x="5260000" y="410000"/>
+            <a:ext cx="3631125" cy="2249700"/>
           </a:xfrm>
           <a:prstGeom prst="rect">
             <a:avLst/>
           </a:prstGeom>
           <a:noFill/>
-          <a:ln>
-            <a:noFill/>
+          <a:ln cap="flat" cmpd="sng" w="9525">
+            <a:solidFill>
+              <a:schemeClr val="lt2"/>
+            </a:solidFill>
+            <a:prstDash val="solid"/>
+            <a:round/>
+            <a:headEnd len="sm" w="sm" type="none"/>
+            <a:tailEnd len="sm" w="sm" type="none"/>
           </a:ln>
         </p:spPr>
       </p:pic>
@@ -10225,8 +11180,8 @@
         </p:nvSpPr>
         <p:spPr>
           <a:xfrm>
-            <a:off x="311700" y="1189688"/>
-            <a:ext cx="4260300" cy="1470000"/>
+            <a:off x="311700" y="1094400"/>
+            <a:ext cx="4838400" cy="1565400"/>
           </a:xfrm>
           <a:prstGeom prst="rect">
             <a:avLst/>
@@ -10247,7 +11202,7 @@
           </a:bodyPr>
           <a:lstStyle/>
           <a:p>
-            <a:pPr indent="-342900" lvl="0" marL="457200" rtl="0" algn="l">
+            <a:pPr indent="-317500" lvl="0" marL="457200" rtl="0" algn="l">
               <a:lnSpc>
                 <a:spcPct val="100000"/>
               </a:lnSpc>
@@ -10260,22 +11215,26 @@
               <a:buClr>
                 <a:schemeClr val="dk2"/>
               </a:buClr>
-              <a:buSzPts val="1800"/>
+              <a:buSzPts val="1400"/>
               <a:buFont typeface="Roboto"/>
               <a:buAutoNum type="arabicPeriod"/>
             </a:pPr>
             <a:r>
-              <a:rPr lang="en"/>
+              <a:rPr lang="en" sz="1400"/>
               <a:t>4 outliers present in the data with </a:t>
             </a:r>
             <a:r>
-              <a:rPr b="1" lang="en"/>
+              <a:rPr b="1" lang="en" sz="1400"/>
               <a:t>Engagement Rate more than 100%</a:t>
             </a:r>
-            <a:endParaRPr b="1"/>
+            <a:r>
+              <a:rPr lang="en" sz="1400"/>
+              <a:t>, assumed to be edge cases.</a:t>
+            </a:r>
+            <a:endParaRPr sz="1400"/>
           </a:p>
           <a:p>
-            <a:pPr indent="-330200" lvl="1" marL="914400" rtl="0" algn="l">
+            <a:pPr indent="-304800" lvl="1" marL="914400" rtl="0" algn="l">
               <a:lnSpc>
                 <a:spcPct val="100000"/>
               </a:lnSpc>
@@ -10288,15 +11247,15 @@
               <a:buClr>
                 <a:schemeClr val="dk2"/>
               </a:buClr>
-              <a:buSzPts val="1600"/>
+              <a:buSzPts val="1200"/>
               <a:buFont typeface="Roboto"/>
               <a:buAutoNum type="alphaLcPeriod"/>
             </a:pPr>
             <a:r>
-              <a:rPr lang="en" sz="1600"/>
+              <a:rPr lang="en" sz="1200"/>
               <a:t>Solution - Removed as data was being skewed.</a:t>
             </a:r>
-            <a:endParaRPr b="1"/>
+            <a:endParaRPr b="1" sz="1000"/>
           </a:p>
         </p:txBody>
       </p:sp>
@@ -10316,15 +11275,21 @@
         </p:blipFill>
         <p:spPr>
           <a:xfrm>
-            <a:off x="5755379" y="2814825"/>
-            <a:ext cx="3388621" cy="2077775"/>
+            <a:off x="5260000" y="2750975"/>
+            <a:ext cx="3631123" cy="2077775"/>
           </a:xfrm>
           <a:prstGeom prst="rect">
             <a:avLst/>
           </a:prstGeom>
           <a:noFill/>
-          <a:ln>
-            <a:noFill/>
+          <a:ln cap="flat" cmpd="sng" w="9525">
+            <a:solidFill>
+              <a:schemeClr val="lt2"/>
+            </a:solidFill>
+            <a:prstDash val="solid"/>
+            <a:round/>
+            <a:headEnd len="sm" w="sm" type="none"/>
+            <a:tailEnd len="sm" w="sm" type="none"/>
           </a:ln>
         </p:spPr>
       </p:pic>
@@ -10345,7 +11310,7 @@
         <p:spPr>
           <a:xfrm>
             <a:off x="311700" y="2750975"/>
-            <a:ext cx="4838274" cy="1861575"/>
+            <a:ext cx="4838274" cy="2077775"/>
           </a:xfrm>
           <a:prstGeom prst="rect">
             <a:avLst/>
@@ -10353,7 +11318,7 @@
           <a:noFill/>
           <a:ln cap="flat" cmpd="sng" w="9525">
             <a:solidFill>
-              <a:schemeClr val="dk2"/>
+              <a:schemeClr val="lt2"/>
             </a:solidFill>
             <a:prstDash val="solid"/>
             <a:round/>
@@ -10397,12 +11362,21 @@
         </p:nvSpPr>
         <p:spPr>
           <a:xfrm>
-            <a:off x="311700" y="1017800"/>
-            <a:ext cx="8520600" cy="1438200"/>
+            <a:off x="311700" y="1116025"/>
+            <a:ext cx="8520600" cy="1796100"/>
           </a:xfrm>
           <a:prstGeom prst="rect">
             <a:avLst/>
           </a:prstGeom>
+          <a:ln cap="flat" cmpd="sng" w="9525">
+            <a:solidFill>
+              <a:schemeClr val="lt2"/>
+            </a:solidFill>
+            <a:prstDash val="solid"/>
+            <a:round/>
+            <a:headEnd len="sm" w="sm" type="none"/>
+            <a:tailEnd len="sm" w="sm" type="none"/>
+          </a:ln>
         </p:spPr>
         <p:txBody>
           <a:bodyPr anchorCtr="0" anchor="t" bIns="91425" lIns="91425" spcFirstLastPara="1" rIns="91425" wrap="square" tIns="91425">
@@ -10427,21 +11401,21 @@
             <a:endParaRPr b="1" sz="1400"/>
           </a:p>
           <a:p>
-            <a:pPr indent="-317500" lvl="1" marL="914400" rtl="0" algn="l">
-              <a:spcBef>
-                <a:spcPts val="0"/>
-              </a:spcBef>
-              <a:spcAft>
-                <a:spcPts val="0"/>
-              </a:spcAft>
-              <a:buSzPts val="1400"/>
+            <a:pPr indent="-304800" lvl="1" marL="914400" rtl="0" algn="l">
+              <a:spcBef>
+                <a:spcPts val="0"/>
+              </a:spcBef>
+              <a:spcAft>
+                <a:spcPts val="0"/>
+              </a:spcAft>
+              <a:buSzPts val="1200"/>
               <a:buAutoNum type="alphaLcPeriod"/>
             </a:pPr>
             <a:r>
-              <a:rPr lang="en"/>
+              <a:rPr lang="en" sz="1200"/>
               <a:t>On average we see an engagement rate of 4.175% with a standard deviation of 6.538.</a:t>
             </a:r>
-            <a:endParaRPr/>
+            <a:endParaRPr sz="1200"/>
           </a:p>
           <a:p>
             <a:pPr indent="-317500" lvl="0" marL="457200" rtl="0" algn="l">
@@ -10461,38 +11435,38 @@
             <a:endParaRPr b="1" sz="1400"/>
           </a:p>
           <a:p>
-            <a:pPr indent="-317500" lvl="1" marL="914400" rtl="0" algn="l">
-              <a:spcBef>
-                <a:spcPts val="0"/>
-              </a:spcBef>
-              <a:spcAft>
-                <a:spcPts val="0"/>
-              </a:spcAft>
-              <a:buSzPts val="1400"/>
+            <a:pPr indent="-304800" lvl="1" marL="914400" rtl="0" algn="l">
+              <a:spcBef>
+                <a:spcPts val="0"/>
+              </a:spcBef>
+              <a:spcAft>
+                <a:spcPts val="0"/>
+              </a:spcAft>
+              <a:buSzPts val="1200"/>
               <a:buAutoNum type="alphaLcPeriod"/>
             </a:pPr>
             <a:r>
-              <a:rPr lang="en"/>
-              <a:t>Assuming the distribution is normal, the probability of achieving an engagement rate of 15% or more will be approximately 4.85% using z-score.</a:t>
-            </a:r>
-            <a:endParaRPr/>
+              <a:rPr lang="en" sz="1200"/>
+              <a:t>Assuming normal distribution, the probability of achieving an engagement rate of 15% or more will be approximately 4.85% using z-score.</a:t>
+            </a:r>
+            <a:endParaRPr sz="1200"/>
           </a:p>
           <a:p>
-            <a:pPr indent="-317500" lvl="1" marL="914400" rtl="0" algn="l">
-              <a:spcBef>
-                <a:spcPts val="0"/>
-              </a:spcBef>
-              <a:spcAft>
-                <a:spcPts val="0"/>
-              </a:spcAft>
-              <a:buSzPts val="1400"/>
+            <a:pPr indent="-304800" lvl="1" marL="914400" rtl="0" algn="l">
+              <a:spcBef>
+                <a:spcPts val="0"/>
+              </a:spcBef>
+              <a:spcAft>
+                <a:spcPts val="0"/>
+              </a:spcAft>
+              <a:buSzPts val="1200"/>
               <a:buAutoNum type="alphaLcPeriod"/>
             </a:pPr>
             <a:r>
-              <a:rPr lang="en"/>
+              <a:rPr lang="en" sz="1200"/>
               <a:t>Since the distribution is skewed to the right, the probability of achieving an engagement rate of at least 15% shifts to 6.38 by using cumulative histogram.</a:t>
             </a:r>
-            <a:endParaRPr/>
+            <a:endParaRPr sz="1200"/>
           </a:p>
         </p:txBody>
       </p:sp>
@@ -10514,7 +11488,7 @@
           </a:prstGeom>
           <a:ln cap="flat" cmpd="sng" w="9525">
             <a:solidFill>
-              <a:schemeClr val="lt2"/>
+              <a:srgbClr val="000000"/>
             </a:solidFill>
             <a:prstDash val="dot"/>
             <a:round/>
@@ -10555,20 +11529,26 @@
           <a:blip r:embed="rId3">
             <a:alphaModFix/>
           </a:blip>
-          <a:srcRect b="3291" l="5409" r="3374" t="5517"/>
+          <a:srcRect b="3295" l="5411" r="8277" t="9512"/>
           <a:stretch/>
         </p:blipFill>
         <p:spPr>
           <a:xfrm>
-            <a:off x="311700" y="2907775"/>
-            <a:ext cx="4995651" cy="2416900"/>
+            <a:off x="311700" y="2992900"/>
+            <a:ext cx="4458000" cy="1995551"/>
           </a:xfrm>
           <a:prstGeom prst="rect">
             <a:avLst/>
           </a:prstGeom>
           <a:noFill/>
-          <a:ln>
-            <a:noFill/>
+          <a:ln cap="flat" cmpd="sng" w="9525">
+            <a:solidFill>
+              <a:schemeClr val="lt2"/>
+            </a:solidFill>
+            <a:prstDash val="solid"/>
+            <a:round/>
+            <a:headEnd len="sm" w="sm" type="none"/>
+            <a:tailEnd len="sm" w="sm" type="none"/>
           </a:ln>
         </p:spPr>
       </p:pic>
@@ -10588,8 +11568,8 @@
         </p:blipFill>
         <p:spPr>
           <a:xfrm>
-            <a:off x="5410900" y="2688863"/>
-            <a:ext cx="3621375" cy="2454625"/>
+            <a:off x="4861225" y="2992900"/>
+            <a:ext cx="3971075" cy="1995550"/>
           </a:xfrm>
           <a:prstGeom prst="rect">
             <a:avLst/>
@@ -10597,7 +11577,7 @@
           <a:noFill/>
           <a:ln cap="flat" cmpd="sng" w="9525">
             <a:solidFill>
-              <a:schemeClr val="dk2"/>
+              <a:schemeClr val="lt2"/>
             </a:solidFill>
             <a:prstDash val="solid"/>
             <a:round/>
@@ -10649,7 +11629,7 @@
           </a:prstGeom>
           <a:ln cap="flat" cmpd="sng" w="9525">
             <a:solidFill>
-              <a:schemeClr val="lt2"/>
+              <a:srgbClr val="000000"/>
             </a:solidFill>
             <a:prstDash val="dot"/>
             <a:round/>
@@ -10690,8 +11670,8 @@
         </p:nvSpPr>
         <p:spPr>
           <a:xfrm>
-            <a:off x="311700" y="1017800"/>
-            <a:ext cx="8520600" cy="3339000"/>
+            <a:off x="311700" y="1109675"/>
+            <a:ext cx="3949200" cy="2539200"/>
           </a:xfrm>
           <a:prstGeom prst="rect">
             <a:avLst/>
@@ -10712,104 +11692,104 @@
           </a:bodyPr>
           <a:lstStyle/>
           <a:p>
-            <a:pPr indent="-330200" lvl="0" marL="457200" rtl="0" algn="l">
-              <a:spcBef>
-                <a:spcPts val="0"/>
-              </a:spcBef>
-              <a:spcAft>
-                <a:spcPts val="0"/>
-              </a:spcAft>
-              <a:buSzPts val="1600"/>
+            <a:pPr indent="-317500" lvl="0" marL="457200" rtl="0" algn="l">
+              <a:spcBef>
+                <a:spcPts val="0"/>
+              </a:spcBef>
+              <a:spcAft>
+                <a:spcPts val="0"/>
+              </a:spcAft>
+              <a:buSzPts val="1400"/>
               <a:buAutoNum type="arabicPeriod"/>
             </a:pPr>
             <a:r>
-              <a:rPr b="1" lang="en" sz="1600"/>
+              <a:rPr b="1" lang="en" sz="1400"/>
               <a:t>Does day of the week of posting affect engagement rates?</a:t>
             </a:r>
-            <a:endParaRPr b="1" sz="1600"/>
+            <a:endParaRPr b="1" sz="1400"/>
           </a:p>
           <a:p>
-            <a:pPr indent="-317500" lvl="1" marL="914400" rtl="0" algn="l">
-              <a:spcBef>
-                <a:spcPts val="0"/>
-              </a:spcBef>
-              <a:spcAft>
-                <a:spcPts val="0"/>
-              </a:spcAft>
-              <a:buSzPts val="1400"/>
+            <a:pPr indent="-304800" lvl="1" marL="914400" rtl="0" algn="l">
+              <a:spcBef>
+                <a:spcPts val="0"/>
+              </a:spcBef>
+              <a:spcAft>
+                <a:spcPts val="0"/>
+              </a:spcAft>
+              <a:buSzPts val="1200"/>
               <a:buAutoNum type="alphaLcPeriod"/>
             </a:pPr>
             <a:r>
-              <a:rPr lang="en"/>
+              <a:rPr lang="en" sz="1200"/>
               <a:t>Posting on </a:t>
             </a:r>
             <a:r>
-              <a:rPr b="1" lang="en"/>
+              <a:rPr b="1" lang="en" sz="1200"/>
               <a:t>Tuesday or Thursday</a:t>
             </a:r>
             <a:r>
-              <a:rPr lang="en"/>
+              <a:rPr lang="en" sz="1200"/>
               <a:t> clearly have </a:t>
             </a:r>
             <a:r>
-              <a:rPr b="1" lang="en"/>
+              <a:rPr b="1" lang="en" sz="1200"/>
               <a:t>better </a:t>
             </a:r>
             <a:r>
-              <a:rPr lang="en"/>
+              <a:rPr lang="en" sz="1200"/>
               <a:t>engagement rates when compared to posting on Wednesday or Saturday.</a:t>
             </a:r>
-            <a:endParaRPr/>
+            <a:endParaRPr sz="1200"/>
           </a:p>
           <a:p>
-            <a:pPr indent="-330200" lvl="0" marL="457200" rtl="0" algn="l">
-              <a:spcBef>
-                <a:spcPts val="0"/>
-              </a:spcBef>
-              <a:spcAft>
-                <a:spcPts val="0"/>
-              </a:spcAft>
-              <a:buSzPts val="1600"/>
+            <a:pPr indent="-317500" lvl="0" marL="457200" rtl="0" algn="l">
+              <a:spcBef>
+                <a:spcPts val="0"/>
+              </a:spcBef>
+              <a:spcAft>
+                <a:spcPts val="0"/>
+              </a:spcAft>
+              <a:buSzPts val="1400"/>
               <a:buAutoNum type="arabicPeriod"/>
             </a:pPr>
             <a:r>
-              <a:rPr b="1" lang="en" sz="1600"/>
+              <a:rPr b="1" lang="en" sz="1400"/>
               <a:t>Does time of posting affect engagement rates?</a:t>
             </a:r>
-            <a:endParaRPr b="1" sz="1600"/>
+            <a:endParaRPr b="1" sz="1400"/>
           </a:p>
           <a:p>
-            <a:pPr indent="-317500" lvl="1" marL="914400" rtl="0" algn="l">
-              <a:spcBef>
-                <a:spcPts val="0"/>
-              </a:spcBef>
-              <a:spcAft>
-                <a:spcPts val="0"/>
-              </a:spcAft>
-              <a:buSzPts val="1400"/>
+            <a:pPr indent="-304800" lvl="1" marL="914400" rtl="0" algn="l">
+              <a:spcBef>
+                <a:spcPts val="0"/>
+              </a:spcBef>
+              <a:spcAft>
+                <a:spcPts val="0"/>
+              </a:spcAft>
+              <a:buSzPts val="1200"/>
               <a:buAutoNum type="alphaLcPeriod"/>
             </a:pPr>
             <a:r>
-              <a:rPr lang="en"/>
+              <a:rPr lang="en" sz="1200"/>
               <a:t>Posting at </a:t>
             </a:r>
             <a:r>
-              <a:rPr b="1" lang="en"/>
+              <a:rPr b="1" lang="en" sz="1200"/>
               <a:t>Night (from midnight to 6am)</a:t>
             </a:r>
             <a:r>
-              <a:rPr lang="en"/>
+              <a:rPr lang="en" sz="1200"/>
               <a:t> has a significantly </a:t>
             </a:r>
             <a:r>
-              <a:rPr b="1" lang="en"/>
+              <a:rPr b="1" lang="en" sz="1200"/>
               <a:t>higher </a:t>
             </a:r>
             <a:r>
-              <a:rPr lang="en"/>
+              <a:rPr lang="en" sz="1200"/>
               <a:t>engagement rate (7.87) than any other time of the day.</a:t>
             </a:r>
-            <a:endParaRPr/>
+            <a:endParaRPr sz="1200"/>
           </a:p>
         </p:txBody>
       </p:sp>
@@ -10828,15 +11808,21 @@
         </p:blipFill>
         <p:spPr>
           <a:xfrm>
-            <a:off x="0" y="2634550"/>
-            <a:ext cx="5004324" cy="2508950"/>
+            <a:off x="4368400" y="1109663"/>
+            <a:ext cx="4463901" cy="1995028"/>
           </a:xfrm>
           <a:prstGeom prst="rect">
             <a:avLst/>
           </a:prstGeom>
           <a:noFill/>
-          <a:ln>
-            <a:noFill/>
+          <a:ln cap="flat" cmpd="sng" w="9525">
+            <a:solidFill>
+              <a:schemeClr val="lt2"/>
+            </a:solidFill>
+            <a:prstDash val="solid"/>
+            <a:round/>
+            <a:headEnd len="sm" w="sm" type="none"/>
+            <a:tailEnd len="sm" w="sm" type="none"/>
           </a:ln>
         </p:spPr>
       </p:pic>
@@ -10855,15 +11841,55 @@
         </p:blipFill>
         <p:spPr>
           <a:xfrm>
-            <a:off x="4843600" y="2679825"/>
-            <a:ext cx="4300401" cy="2463675"/>
+            <a:off x="4368400" y="3196575"/>
+            <a:ext cx="4463901" cy="1728625"/>
           </a:xfrm>
           <a:prstGeom prst="rect">
             <a:avLst/>
           </a:prstGeom>
           <a:noFill/>
-          <a:ln>
-            <a:noFill/>
+          <a:ln cap="flat" cmpd="sng" w="9525">
+            <a:solidFill>
+              <a:schemeClr val="lt2"/>
+            </a:solidFill>
+            <a:prstDash val="solid"/>
+            <a:round/>
+            <a:headEnd len="sm" w="sm" type="none"/>
+            <a:tailEnd len="sm" w="sm" type="none"/>
+          </a:ln>
+        </p:spPr>
+      </p:pic>
+      <p:pic>
+        <p:nvPicPr>
+          <p:cNvPr id="133" name="Google Shape;133;p19"/>
+          <p:cNvPicPr preferRelativeResize="0"/>
+          <p:nvPr/>
+        </p:nvPicPr>
+        <p:blipFill>
+          <a:blip r:embed="rId5">
+            <a:alphaModFix/>
+          </a:blip>
+          <a:stretch>
+            <a:fillRect/>
+          </a:stretch>
+        </p:blipFill>
+        <p:spPr>
+          <a:xfrm>
+            <a:off x="311700" y="3728954"/>
+            <a:ext cx="3949200" cy="1196246"/>
+          </a:xfrm>
+          <a:prstGeom prst="rect">
+            <a:avLst/>
+          </a:prstGeom>
+          <a:noFill/>
+          <a:ln cap="flat" cmpd="sng" w="9525">
+            <a:solidFill>
+              <a:schemeClr val="lt2"/>
+            </a:solidFill>
+            <a:prstDash val="solid"/>
+            <a:round/>
+            <a:headEnd len="sm" w="sm" type="none"/>
+            <a:tailEnd len="sm" w="sm" type="none"/>
           </a:ln>
         </p:spPr>
       </p:pic>
@@ -10880,7 +11906,7 @@
   <p:cSld>
     <p:spTree>
       <p:nvGrpSpPr>
-        <p:cNvPr id="136" name="Shape 136"/>
+        <p:cNvPr id="137" name="Shape 137"/>
         <p:cNvGrpSpPr/>
         <p:nvPr/>
       </p:nvGrpSpPr>
@@ -10894,7 +11920,7 @@
       </p:grpSpPr>
       <p:sp>
         <p:nvSpPr>
-          <p:cNvPr id="137" name="Google Shape;137;p20"/>
+          <p:cNvPr id="138" name="Google Shape;138;p20"/>
           <p:cNvSpPr txBox="1"/>
           <p:nvPr>
             <p:ph idx="4294967295" type="body"/>
@@ -10902,8 +11928,8 @@
         </p:nvSpPr>
         <p:spPr>
           <a:xfrm>
-            <a:off x="311700" y="1017800"/>
-            <a:ext cx="8520600" cy="3339000"/>
+            <a:off x="311700" y="1109213"/>
+            <a:ext cx="8520600" cy="1538700"/>
           </a:xfrm>
           <a:prstGeom prst="rect">
             <a:avLst/>
@@ -10924,124 +11950,124 @@
           </a:bodyPr>
           <a:lstStyle/>
           <a:p>
-            <a:pPr indent="-330200" lvl="0" marL="457200" rtl="0" algn="l">
-              <a:spcBef>
-                <a:spcPts val="0"/>
-              </a:spcBef>
-              <a:spcAft>
-                <a:spcPts val="0"/>
-              </a:spcAft>
-              <a:buSzPts val="1600"/>
+            <a:pPr indent="-317500" lvl="0" marL="457200" rtl="0" algn="l">
+              <a:spcBef>
+                <a:spcPts val="0"/>
+              </a:spcBef>
+              <a:spcAft>
+                <a:spcPts val="0"/>
+              </a:spcAft>
+              <a:buSzPts val="1400"/>
               <a:buAutoNum type="arabicPeriod"/>
             </a:pPr>
             <a:r>
-              <a:rPr b="1" lang="en" sz="1600"/>
+              <a:rPr b="1" lang="en" sz="1400"/>
               <a:t>How are game titles doing in terms of social performance? Specific game to focus on?</a:t>
             </a:r>
-            <a:endParaRPr b="1" sz="1600"/>
+            <a:endParaRPr b="1" sz="1400"/>
           </a:p>
           <a:p>
-            <a:pPr indent="-317500" lvl="1" marL="914400" rtl="0" algn="l">
-              <a:spcBef>
-                <a:spcPts val="0"/>
-              </a:spcBef>
-              <a:spcAft>
-                <a:spcPts val="0"/>
-              </a:spcAft>
-              <a:buSzPts val="1400"/>
+            <a:pPr indent="-304800" lvl="1" marL="914400" rtl="0" algn="l">
+              <a:spcBef>
+                <a:spcPts val="0"/>
+              </a:spcBef>
+              <a:spcAft>
+                <a:spcPts val="0"/>
+              </a:spcAft>
+              <a:buSzPts val="1200"/>
               <a:buAutoNum type="alphaLcPeriod"/>
             </a:pPr>
             <a:r>
-              <a:rPr lang="en"/>
+              <a:rPr lang="en" sz="1200"/>
               <a:t>Highest impressions and engagement rate (4.299%) is maintained by </a:t>
             </a:r>
             <a:r>
-              <a:rPr b="1" lang="en" u="sng"/>
+              <a:rPr b="1" lang="en" sz="1200" u="sng"/>
               <a:t>‘General’</a:t>
             </a:r>
             <a:r>
-              <a:rPr b="1" lang="en"/>
+              <a:rPr b="1" lang="en" sz="1200"/>
               <a:t> </a:t>
             </a:r>
             <a:r>
-              <a:rPr lang="en"/>
+              <a:rPr lang="en" sz="1200"/>
               <a:t>posts.</a:t>
             </a:r>
-            <a:endParaRPr/>
+            <a:endParaRPr sz="1200"/>
           </a:p>
           <a:p>
-            <a:pPr indent="-317500" lvl="1" marL="914400" rtl="0" algn="l">
-              <a:spcBef>
-                <a:spcPts val="0"/>
-              </a:spcBef>
-              <a:spcAft>
-                <a:spcPts val="0"/>
-              </a:spcAft>
-              <a:buSzPts val="1400"/>
+            <a:pPr indent="-304800" lvl="1" marL="914400" rtl="0" algn="l">
+              <a:spcBef>
+                <a:spcPts val="0"/>
+              </a:spcBef>
+              <a:spcAft>
+                <a:spcPts val="0"/>
+              </a:spcAft>
+              <a:buSzPts val="1200"/>
               <a:buAutoNum type="alphaLcPeriod"/>
             </a:pPr>
             <a:r>
-              <a:rPr lang="en"/>
+              <a:rPr lang="en" sz="1200"/>
               <a:t>Even though </a:t>
             </a:r>
             <a:r>
-              <a:rPr lang="en"/>
+              <a:rPr lang="en" sz="1200"/>
               <a:t>‘CSGO’</a:t>
             </a:r>
             <a:r>
-              <a:rPr b="1" lang="en"/>
+              <a:rPr b="1" lang="en" sz="1200"/>
               <a:t> </a:t>
             </a:r>
             <a:r>
-              <a:rPr lang="en"/>
+              <a:rPr lang="en" sz="1200"/>
               <a:t>has a higher average impression count with fewer posts, </a:t>
             </a:r>
             <a:r>
-              <a:rPr lang="en"/>
+              <a:rPr lang="en" sz="1200"/>
               <a:t>the </a:t>
             </a:r>
             <a:r>
-              <a:rPr b="1" lang="en" u="sng"/>
+              <a:rPr b="1" lang="en" sz="1200" u="sng"/>
               <a:t>‘DOTA2’</a:t>
             </a:r>
             <a:r>
-              <a:rPr lang="en"/>
+              <a:rPr lang="en" sz="1200"/>
               <a:t> account is doing better with an engagement rate of </a:t>
             </a:r>
             <a:r>
-              <a:rPr b="1" lang="en"/>
+              <a:rPr b="1" lang="en" sz="1200"/>
               <a:t>4.298%</a:t>
             </a:r>
             <a:r>
-              <a:rPr lang="en"/>
+              <a:rPr lang="en" sz="1200"/>
               <a:t>.</a:t>
             </a:r>
-            <a:endParaRPr/>
+            <a:endParaRPr sz="1200"/>
           </a:p>
           <a:p>
-            <a:pPr indent="-317500" lvl="1" marL="914400" rtl="0" algn="l">
-              <a:spcBef>
-                <a:spcPts val="0"/>
-              </a:spcBef>
-              <a:spcAft>
-                <a:spcPts val="0"/>
-              </a:spcAft>
-              <a:buSzPts val="1400"/>
+            <a:pPr indent="-304800" lvl="1" marL="914400" rtl="0" algn="l">
+              <a:spcBef>
+                <a:spcPts val="0"/>
+              </a:spcBef>
+              <a:spcAft>
+                <a:spcPts val="0"/>
+              </a:spcAft>
+              <a:buSzPts val="1200"/>
               <a:buAutoNum type="alphaLcPeriod"/>
             </a:pPr>
             <a:r>
-              <a:rPr lang="en"/>
+              <a:rPr lang="en" sz="1200"/>
               <a:t>Focusing on </a:t>
             </a:r>
             <a:r>
-              <a:rPr b="1" lang="en" u="sng"/>
+              <a:rPr b="1" lang="en" sz="1200" u="sng"/>
               <a:t>‘Content Creators’</a:t>
             </a:r>
             <a:r>
-              <a:rPr lang="en"/>
+              <a:rPr lang="en" sz="1200"/>
               <a:t> could also help increase engagement as it ranks third after ‘General’ and ‘DOTA2’ tags but has fewer samples. </a:t>
             </a:r>
-            <a:endParaRPr/>
+            <a:endParaRPr sz="1200"/>
           </a:p>
           <a:p>
             <a:pPr indent="0" lvl="0" marL="0" rtl="0" algn="l">
@@ -11056,13 +12082,13 @@
             <a:r>
               <a:t/>
             </a:r>
-            <a:endParaRPr/>
+            <a:endParaRPr sz="1600"/>
           </a:p>
         </p:txBody>
       </p:sp>
       <p:sp>
         <p:nvSpPr>
-          <p:cNvPr id="138" name="Google Shape;138;p20"/>
+          <p:cNvPr id="139" name="Google Shape;139;p20"/>
           <p:cNvSpPr txBox="1"/>
           <p:nvPr>
             <p:ph type="title"/>
@@ -11078,7 +12104,7 @@
           </a:prstGeom>
           <a:ln cap="flat" cmpd="sng" w="9525">
             <a:solidFill>
-              <a:schemeClr val="lt2"/>
+              <a:srgbClr val="000000"/>
             </a:solidFill>
             <a:prstDash val="dot"/>
             <a:round/>
@@ -11111,22 +12137,21 @@
       </p:sp>
       <p:pic>
         <p:nvPicPr>
-          <p:cNvPr id="139" name="Google Shape;139;p20"/>
+          <p:cNvPr id="140" name="Google Shape;140;p20"/>
           <p:cNvPicPr preferRelativeResize="0"/>
           <p:nvPr/>
         </p:nvPicPr>
-        <p:blipFill>
+        <p:blipFill rotWithShape="1">
           <a:blip r:embed="rId3">
             <a:alphaModFix/>
           </a:blip>
-          <a:stretch>
-            <a:fillRect/>
-          </a:stretch>
+          <a:srcRect b="7022" l="6748" r="10139" t="12449"/>
+          <a:stretch/>
         </p:blipFill>
         <p:spPr>
           <a:xfrm>
-            <a:off x="438150" y="2997950"/>
-            <a:ext cx="3041975" cy="1721675"/>
+            <a:off x="3978600" y="2724075"/>
+            <a:ext cx="4853700" cy="2215674"/>
           </a:xfrm>
           <a:prstGeom prst="rect">
             <a:avLst/>
@@ -11134,7 +12159,7 @@
           <a:noFill/>
           <a:ln cap="flat" cmpd="sng" w="9525">
             <a:solidFill>
-              <a:schemeClr val="dk2"/>
+              <a:schemeClr val="lt2"/>
             </a:solidFill>
             <a:prstDash val="solid"/>
             <a:round/>
@@ -11145,28 +12170,35 @@
       </p:pic>
       <p:pic>
         <p:nvPicPr>
-          <p:cNvPr id="140" name="Google Shape;140;p20"/>
+          <p:cNvPr id="141" name="Google Shape;141;p20"/>
           <p:cNvPicPr preferRelativeResize="0"/>
           <p:nvPr/>
         </p:nvPicPr>
-        <p:blipFill rotWithShape="1">
+        <p:blipFill>
           <a:blip r:embed="rId4">
             <a:alphaModFix/>
           </a:blip>
-          <a:srcRect b="0" l="4299" r="5561" t="7655"/>
-          <a:stretch/>
+          <a:stretch>
+            <a:fillRect/>
+          </a:stretch>
         </p:blipFill>
         <p:spPr>
           <a:xfrm>
-            <a:off x="3856775" y="2661350"/>
-            <a:ext cx="5287226" cy="2482149"/>
+            <a:off x="311700" y="2724075"/>
+            <a:ext cx="3572800" cy="2215675"/>
           </a:xfrm>
           <a:prstGeom prst="rect">
             <a:avLst/>
           </a:prstGeom>
           <a:noFill/>
-          <a:ln>
-            <a:noFill/>
+          <a:ln cap="flat" cmpd="sng" w="9525">
+            <a:solidFill>
+              <a:schemeClr val="lt2"/>
+            </a:solidFill>
+            <a:prstDash val="solid"/>
+            <a:round/>
+            <a:headEnd len="sm" w="sm" type="none"/>
+            <a:tailEnd len="sm" w="sm" type="none"/>
           </a:ln>
         </p:spPr>
       </p:pic>
@@ -11183,7 +12215,7 @@
   <p:cSld>
     <p:spTree>
       <p:nvGrpSpPr>
-        <p:cNvPr id="144" name="Shape 144"/>
+        <p:cNvPr id="145" name="Shape 145"/>
         <p:cNvGrpSpPr/>
         <p:nvPr/>
       </p:nvGrpSpPr>
@@ -11197,7 +12229,7 @@
       </p:grpSpPr>
       <p:sp>
         <p:nvSpPr>
-          <p:cNvPr id="145" name="Google Shape;145;p21"/>
+          <p:cNvPr id="146" name="Google Shape;146;p21"/>
           <p:cNvSpPr txBox="1"/>
           <p:nvPr>
             <p:ph type="title"/>
@@ -11213,7 +12245,7 @@
           </a:prstGeom>
           <a:ln cap="flat" cmpd="sng" w="9525">
             <a:solidFill>
-              <a:schemeClr val="lt2"/>
+              <a:srgbClr val="000000"/>
             </a:solidFill>
             <a:prstDash val="dot"/>
             <a:round/>
@@ -11246,7 +12278,7 @@
       </p:sp>
       <p:sp>
         <p:nvSpPr>
-          <p:cNvPr id="146" name="Google Shape;146;p21"/>
+          <p:cNvPr id="147" name="Google Shape;147;p21"/>
           <p:cNvSpPr txBox="1"/>
           <p:nvPr>
             <p:ph idx="4294967295" type="body"/>
@@ -11254,8 +12286,8 @@
         </p:nvSpPr>
         <p:spPr>
           <a:xfrm>
-            <a:off x="311700" y="1017800"/>
-            <a:ext cx="8520600" cy="3339000"/>
+            <a:off x="311700" y="1107013"/>
+            <a:ext cx="8520600" cy="1576800"/>
           </a:xfrm>
           <a:prstGeom prst="rect">
             <a:avLst/>
@@ -11276,126 +12308,126 @@
           </a:bodyPr>
           <a:lstStyle/>
           <a:p>
-            <a:pPr indent="-330200" lvl="0" marL="457200" rtl="0" algn="l">
-              <a:spcBef>
-                <a:spcPts val="0"/>
-              </a:spcBef>
-              <a:spcAft>
-                <a:spcPts val="0"/>
-              </a:spcAft>
-              <a:buSzPts val="1600"/>
+            <a:pPr indent="-317500" lvl="0" marL="457200" rtl="0" algn="l">
+              <a:spcBef>
+                <a:spcPts val="0"/>
+              </a:spcBef>
+              <a:spcAft>
+                <a:spcPts val="0"/>
+              </a:spcAft>
+              <a:buSzPts val="1400"/>
               <a:buAutoNum type="arabicPeriod"/>
             </a:pPr>
             <a:r>
-              <a:rPr b="1" lang="en" sz="1600"/>
+              <a:rPr b="1" lang="en" sz="1400"/>
               <a:t>What media type performs the best?</a:t>
             </a:r>
-            <a:endParaRPr b="1" sz="1600"/>
+            <a:endParaRPr b="1" sz="1400"/>
           </a:p>
           <a:p>
-            <a:pPr indent="-317500" lvl="1" marL="914400" rtl="0" algn="l">
-              <a:spcBef>
-                <a:spcPts val="0"/>
-              </a:spcBef>
-              <a:spcAft>
-                <a:spcPts val="0"/>
-              </a:spcAft>
-              <a:buSzPts val="1400"/>
+            <a:pPr indent="-304800" lvl="1" marL="914400" rtl="0" algn="l">
+              <a:spcBef>
+                <a:spcPts val="0"/>
+              </a:spcBef>
+              <a:spcAft>
+                <a:spcPts val="0"/>
+              </a:spcAft>
+              <a:buSzPts val="1200"/>
               <a:buAutoNum type="alphaLcPeriod"/>
             </a:pPr>
             <a:r>
-              <a:rPr lang="en"/>
+              <a:rPr lang="en" sz="1200"/>
               <a:t>Posts with </a:t>
             </a:r>
             <a:r>
-              <a:rPr b="1" lang="en" u="sng"/>
+              <a:rPr b="1" lang="en" sz="1200" u="sng"/>
               <a:t>‘Mixed’</a:t>
             </a:r>
             <a:r>
-              <a:rPr lang="en"/>
+              <a:rPr lang="en" sz="1200"/>
               <a:t> form of media has performed the best with an engagement rate of </a:t>
             </a:r>
             <a:r>
-              <a:rPr b="1" lang="en"/>
+              <a:rPr b="1" lang="en" sz="1200"/>
               <a:t>10.77%</a:t>
             </a:r>
             <a:r>
-              <a:rPr lang="en"/>
+              <a:rPr lang="en" sz="1200"/>
               <a:t>. (N</a:t>
             </a:r>
             <a:r>
-              <a:rPr lang="en"/>
+              <a:rPr lang="en" sz="1200"/>
               <a:t>ote that the number of samples are very few to make any sort of concrete conclusion</a:t>
             </a:r>
             <a:r>
-              <a:rPr lang="en"/>
+              <a:rPr lang="en" sz="1200"/>
               <a:t>.)</a:t>
             </a:r>
-            <a:endParaRPr/>
+            <a:endParaRPr sz="1200"/>
           </a:p>
           <a:p>
-            <a:pPr indent="-317500" lvl="1" marL="914400" rtl="0" algn="l">
-              <a:spcBef>
-                <a:spcPts val="0"/>
-              </a:spcBef>
-              <a:spcAft>
-                <a:spcPts val="0"/>
-              </a:spcAft>
-              <a:buSzPts val="1400"/>
+            <a:pPr indent="-304800" lvl="1" marL="914400" rtl="0" algn="l">
+              <a:spcBef>
+                <a:spcPts val="0"/>
+              </a:spcBef>
+              <a:spcAft>
+                <a:spcPts val="0"/>
+              </a:spcAft>
+              <a:buSzPts val="1200"/>
               <a:buAutoNum type="alphaLcPeriod"/>
             </a:pPr>
             <a:r>
-              <a:rPr b="1" lang="en" u="sng"/>
+              <a:rPr b="1" lang="en" sz="1200" u="sng"/>
               <a:t>‘Video’</a:t>
             </a:r>
             <a:r>
-              <a:rPr lang="en"/>
+              <a:rPr lang="en" sz="1200"/>
               <a:t> and</a:t>
             </a:r>
             <a:r>
-              <a:rPr b="1" lang="en"/>
+              <a:rPr b="1" lang="en" sz="1200"/>
               <a:t> </a:t>
             </a:r>
             <a:r>
-              <a:rPr b="1" lang="en" u="sng"/>
+              <a:rPr b="1" lang="en" sz="1200" u="sng"/>
               <a:t>‘Photo’</a:t>
             </a:r>
             <a:r>
-              <a:rPr lang="en"/>
+              <a:rPr lang="en" sz="1200"/>
               <a:t> forms of media follow with an engagement rate of around 4.903 &amp; 4.877 respectively, with sufficient samples.</a:t>
             </a:r>
-            <a:endParaRPr/>
+            <a:endParaRPr sz="1200"/>
           </a:p>
           <a:p>
-            <a:pPr indent="-317500" lvl="1" marL="914400" rtl="0" algn="l">
-              <a:spcBef>
-                <a:spcPts val="0"/>
-              </a:spcBef>
-              <a:spcAft>
-                <a:spcPts val="0"/>
-              </a:spcAft>
-              <a:buSzPts val="1400"/>
+            <a:pPr indent="-304800" lvl="1" marL="914400" rtl="0" algn="l">
+              <a:spcBef>
+                <a:spcPts val="0"/>
+              </a:spcBef>
+              <a:spcAft>
+                <a:spcPts val="0"/>
+              </a:spcAft>
+              <a:buSzPts val="1200"/>
               <a:buAutoNum type="alphaLcPeriod"/>
             </a:pPr>
             <a:r>
-              <a:rPr lang="en"/>
+              <a:rPr lang="en" sz="1200"/>
               <a:t>‘Album’ hasn’t been considered in the mix due to </a:t>
             </a:r>
             <a:r>
-              <a:rPr b="1" lang="en"/>
+              <a:rPr b="1" lang="en" sz="1200"/>
               <a:t>insufficient</a:t>
             </a:r>
             <a:r>
-              <a:rPr lang="en"/>
+              <a:rPr lang="en" sz="1200"/>
               <a:t> number of posts &amp; impressions.</a:t>
             </a:r>
-            <a:endParaRPr/>
+            <a:endParaRPr sz="1200"/>
           </a:p>
         </p:txBody>
       </p:sp>
       <p:pic>
         <p:nvPicPr>
-          <p:cNvPr id="147" name="Google Shape;147;p21"/>
+          <p:cNvPr id="148" name="Google Shape;148;p21"/>
           <p:cNvPicPr preferRelativeResize="0"/>
           <p:nvPr/>
         </p:nvPicPr>
@@ -11403,26 +12435,32 @@
           <a:blip r:embed="rId3">
             <a:alphaModFix/>
           </a:blip>
-          <a:srcRect b="5119" l="4850" r="6638" t="11085"/>
+          <a:srcRect b="6578" l="6784" r="8520" t="11082"/>
           <a:stretch/>
         </p:blipFill>
         <p:spPr>
           <a:xfrm>
-            <a:off x="0" y="2647925"/>
-            <a:ext cx="5287226" cy="2495574"/>
+            <a:off x="311700" y="2759925"/>
+            <a:ext cx="5114074" cy="2244675"/>
           </a:xfrm>
           <a:prstGeom prst="rect">
             <a:avLst/>
           </a:prstGeom>
           <a:noFill/>
-          <a:ln>
-            <a:noFill/>
+          <a:ln cap="flat" cmpd="sng" w="9525">
+            <a:solidFill>
+              <a:schemeClr val="lt2"/>
+            </a:solidFill>
+            <a:prstDash val="solid"/>
+            <a:round/>
+            <a:headEnd len="sm" w="sm" type="none"/>
+            <a:tailEnd len="sm" w="sm" type="none"/>
           </a:ln>
         </p:spPr>
       </p:pic>
       <p:pic>
         <p:nvPicPr>
-          <p:cNvPr id="148" name="Google Shape;148;p21"/>
+          <p:cNvPr id="149" name="Google Shape;149;p21"/>
           <p:cNvPicPr preferRelativeResize="0"/>
           <p:nvPr/>
         </p:nvPicPr>
@@ -11436,8 +12474,8 @@
         </p:blipFill>
         <p:spPr>
           <a:xfrm>
-            <a:off x="6183525" y="3252085"/>
-            <a:ext cx="2960475" cy="1891415"/>
+            <a:off x="5510900" y="2759925"/>
+            <a:ext cx="3321399" cy="2244675"/>
           </a:xfrm>
           <a:prstGeom prst="rect">
             <a:avLst/>
@@ -11445,7 +12483,7 @@
           <a:noFill/>
           <a:ln cap="flat" cmpd="sng" w="9525">
             <a:solidFill>
-              <a:schemeClr val="dk2"/>
+              <a:schemeClr val="lt2"/>
             </a:solidFill>
             <a:prstDash val="solid"/>
             <a:round/>
@@ -11463,6 +12501,285 @@
 </file>
 
 <file path=ppt/theme/theme1.xml><?xml version="1.0" encoding="utf-8"?>
+<a:theme xmlns:a="http://schemas.openxmlformats.org/drawingml/2006/main" xmlns:r="http://schemas.openxmlformats.org/officeDocument/2006/relationships" name="Geometric">
+  <a:themeElements>
+    <a:clrScheme name="Geometric">
+      <a:dk1>
+        <a:srgbClr val="2A3990"/>
+      </a:dk1>
+      <a:lt1>
+        <a:srgbClr val="FFFFFF"/>
+      </a:lt1>
+      <a:dk2>
+        <a:srgbClr val="434343"/>
+      </a:dk2>
+      <a:lt2>
+        <a:srgbClr val="999999"/>
+      </a:lt2>
+      <a:accent1>
+        <a:srgbClr val="212D74"/>
+      </a:accent1>
+      <a:accent2>
+        <a:srgbClr val="3949AB"/>
+      </a:accent2>
+      <a:accent3>
+        <a:srgbClr val="9C254D"/>
+      </a:accent3>
+      <a:accent4>
+        <a:srgbClr val="D23369"/>
+      </a:accent4>
+      <a:accent5>
+        <a:srgbClr val="F06292"/>
+      </a:accent5>
+      <a:accent6>
+        <a:srgbClr val="7890CD"/>
+      </a:accent6>
+      <a:hlink>
+        <a:srgbClr val="F06292"/>
+      </a:hlink>
+      <a:folHlink>
+        <a:srgbClr val="F06292"/>
+      </a:folHlink>
+    </a:clrScheme>
+    <a:fontScheme name="Office">
+      <a:majorFont>
+        <a:latin typeface="Arial"/>
+        <a:ea typeface=""/>
+        <a:cs typeface=""/>
+        <a:font script="Jpan" typeface="ＭＳ Ｐゴシック"/>
+        <a:font script="Hang" typeface="맑은 고딕"/>
+        <a:font script="Hans" typeface="宋体"/>
+        <a:font script="Hant" typeface="新細明體"/>
+        <a:font script="Arab" typeface="Times New Roman"/>
+        <a:font script="Hebr" typeface="Times New Roman"/>
+        <a:font script="Thai" typeface="Angsana New"/>
+        <a:font script="Ethi" typeface="Nyala"/>
+        <a:font script="Beng" typeface="Vrinda"/>
+        <a:font script="Gujr" typeface="Shruti"/>
+        <a:font script="Khmr" typeface="MoolBoran"/>
+        <a:font script="Knda" typeface="Tunga"/>
+        <a:font script="Guru" typeface="Raavi"/>
+        <a:font script="Cans" typeface="Euphemia"/>
+        <a:font script="Cher" typeface="Plantagenet Cherokee"/>
+        <a:font script="Yiii" typeface="Microsoft Yi Baiti"/>
+        <a:font script="Tibt" typeface="Microsoft Himalaya"/>
+        <a:font script="Thaa" typeface="MV Boli"/>
+        <a:font script="Deva" typeface="Mangal"/>
+        <a:font script="Telu" typeface="Gautami"/>
+        <a:font script="Taml" typeface="Latha"/>
+        <a:font script="Syrc" typeface="Estrangelo Edessa"/>
+        <a:font script="Orya" typeface="Kalinga"/>
+        <a:font script="Mlym" typeface="Kartika"/>
+        <a:font script="Laoo" typeface="DokChampa"/>
+        <a:font script="Sinh" typeface="Iskoola Pota"/>
+        <a:font script="Mong" typeface="Mongolian Baiti"/>
+        <a:font script="Viet" typeface="Times New Roman"/>
+        <a:font script="Uigh" typeface="Microsoft Uighur"/>
+        <a:font script="Geor" typeface="Sylfaen"/>
+      </a:majorFont>
+      <a:minorFont>
+        <a:latin typeface="Arial"/>
+        <a:ea typeface=""/>
+        <a:cs typeface=""/>
+        <a:font script="Jpan" typeface="ＭＳ Ｐゴシック"/>
+        <a:font script="Hang" typeface="맑은 고딕"/>
+        <a:font script="Hans" typeface="宋体"/>
+        <a:font script="Hant" typeface="新細明體"/>
+        <a:font script="Arab" typeface="Arial"/>
+        <a:font script="Hebr" typeface="Arial"/>
+        <a:font script="Thai" typeface="Cordia New"/>
+        <a:font script="Ethi" typeface="Nyala"/>
+        <a:font script="Beng" typeface="Vrinda"/>
+        <a:font script="Gujr" typeface="Shruti"/>
+        <a:font script="Khmr" typeface="DaunPenh"/>
+        <a:font script="Knda" typeface="Tunga"/>
+        <a:font script="Guru" typeface="Raavi"/>
+        <a:font script="Cans" typeface="Euphemia"/>
+        <a:font script="Cher" typeface="Plantagenet Cherokee"/>
+        <a:font script="Yiii" typeface="Microsoft Yi Baiti"/>
+        <a:font script="Tibt" typeface="Microsoft Himalaya"/>
+        <a:font script="Thaa" typeface="MV Boli"/>
+        <a:font script="Deva" typeface="Mangal"/>
+        <a:font script="Telu" typeface="Gautami"/>
+        <a:font script="Taml" typeface="Latha"/>
+        <a:font script="Syrc" typeface="Estrangelo Edessa"/>
+        <a:font script="Orya" typeface="Kalinga"/>
+        <a:font script="Mlym" typeface="Kartika"/>
+        <a:font script="Laoo" typeface="DokChampa"/>
+        <a:font script="Sinh" typeface="Iskoola Pota"/>
+        <a:font script="Mong" typeface="Mongolian Baiti"/>
+        <a:font script="Viet" typeface="Arial"/>
+        <a:font script="Uigh" typeface="Microsoft Uighur"/>
+        <a:font script="Geor" typeface="Sylfaen"/>
+      </a:minorFont>
+    </a:fontScheme>
+    <a:fmtScheme name="Office">
+      <a:fillStyleLst>
+        <a:solidFill>
+          <a:schemeClr val="phClr"/>
+        </a:solidFill>
+        <a:gradFill rotWithShape="1">
+          <a:gsLst>
+            <a:gs pos="0">
+              <a:schemeClr val="phClr">
+                <a:tint val="50000"/>
+                <a:satMod val="300000"/>
+              </a:schemeClr>
+            </a:gs>
+            <a:gs pos="35000">
+              <a:schemeClr val="phClr">
+                <a:tint val="37000"/>
+                <a:satMod val="300000"/>
+              </a:schemeClr>
+            </a:gs>
+            <a:gs pos="100000">
+              <a:schemeClr val="phClr">
+                <a:tint val="15000"/>
+                <a:satMod val="350000"/>
+              </a:schemeClr>
+            </a:gs>
+          </a:gsLst>
+          <a:lin ang="16200000" scaled="1"/>
+        </a:gradFill>
+        <a:gradFill rotWithShape="1">
+          <a:gsLst>
+            <a:gs pos="0">
+              <a:schemeClr val="phClr">
+                <a:tint val="100000"/>
+                <a:shade val="100000"/>
+                <a:satMod val="130000"/>
+              </a:schemeClr>
+            </a:gs>
+            <a:gs pos="100000">
+              <a:schemeClr val="phClr">
+                <a:tint val="50000"/>
+                <a:shade val="100000"/>
+                <a:satMod val="350000"/>
+              </a:schemeClr>
+            </a:gs>
+          </a:gsLst>
+          <a:lin ang="16200000" scaled="0"/>
+        </a:gradFill>
+      </a:fillStyleLst>
+      <a:lnStyleLst>
+        <a:ln w="9525" cap="flat" cmpd="sng" algn="ctr">
+          <a:solidFill>
+            <a:schemeClr val="phClr">
+              <a:shade val="95000"/>
+              <a:satMod val="105000"/>
+            </a:schemeClr>
+          </a:solidFill>
+          <a:prstDash val="solid"/>
+        </a:ln>
+        <a:ln w="25400" cap="flat" cmpd="sng" algn="ctr">
+          <a:solidFill>
+            <a:schemeClr val="phClr"/>
+          </a:solidFill>
+          <a:prstDash val="solid"/>
+        </a:ln>
+        <a:ln w="38100" cap="flat" cmpd="sng" algn="ctr">
+          <a:solidFill>
+            <a:schemeClr val="phClr"/>
+          </a:solidFill>
+          <a:prstDash val="solid"/>
+        </a:ln>
+      </a:lnStyleLst>
+      <a:effectStyleLst>
+        <a:effectStyle>
+          <a:effectLst>
+            <a:outerShdw blurRad="40000" dist="20000" dir="5400000" rotWithShape="0">
+              <a:srgbClr val="000000">
+                <a:alpha val="38000"/>
+              </a:srgbClr>
+            </a:outerShdw>
+          </a:effectLst>
+        </a:effectStyle>
+        <a:effectStyle>
+          <a:effectLst>
+            <a:outerShdw blurRad="40000" dist="23000" dir="5400000" rotWithShape="0">
+              <a:srgbClr val="000000">
+                <a:alpha val="35000"/>
+              </a:srgbClr>
+            </a:outerShdw>
+          </a:effectLst>
+        </a:effectStyle>
+        <a:effectStyle>
+          <a:effectLst>
+            <a:outerShdw blurRad="40000" dist="23000" dir="5400000" rotWithShape="0">
+              <a:srgbClr val="000000">
+                <a:alpha val="35000"/>
+              </a:srgbClr>
+            </a:outerShdw>
+          </a:effectLst>
+          <a:scene3d>
+            <a:camera prst="orthographicFront">
+              <a:rot lat="0" lon="0" rev="0"/>
+            </a:camera>
+            <a:lightRig rig="threePt" dir="t">
+              <a:rot lat="0" lon="0" rev="1200000"/>
+            </a:lightRig>
+          </a:scene3d>
+          <a:sp3d>
+            <a:bevelT w="63500" h="25400"/>
+          </a:sp3d>
+        </a:effectStyle>
+      </a:effectStyleLst>
+      <a:bgFillStyleLst>
+        <a:solidFill>
+          <a:schemeClr val="phClr"/>
+        </a:solidFill>
+        <a:gradFill rotWithShape="1">
+          <a:gsLst>
+            <a:gs pos="0">
+              <a:schemeClr val="phClr">
+                <a:tint val="40000"/>
+                <a:satMod val="350000"/>
+              </a:schemeClr>
+            </a:gs>
+            <a:gs pos="40000">
+              <a:schemeClr val="phClr">
+                <a:tint val="45000"/>
+                <a:shade val="99000"/>
+                <a:satMod val="350000"/>
+              </a:schemeClr>
+            </a:gs>
+            <a:gs pos="100000">
+              <a:schemeClr val="phClr">
+                <a:shade val="20000"/>
+                <a:satMod val="255000"/>
+              </a:schemeClr>
+            </a:gs>
+          </a:gsLst>
+          <a:path path="circle">
+            <a:fillToRect l="50000" t="-80000" r="50000" b="180000"/>
+          </a:path>
+        </a:gradFill>
+        <a:gradFill rotWithShape="1">
+          <a:gsLst>
+            <a:gs pos="0">
+              <a:schemeClr val="phClr">
+                <a:tint val="80000"/>
+                <a:satMod val="300000"/>
+              </a:schemeClr>
+            </a:gs>
+            <a:gs pos="100000">
+              <a:schemeClr val="phClr">
+                <a:shade val="30000"/>
+                <a:satMod val="200000"/>
+              </a:schemeClr>
+            </a:gs>
+          </a:gsLst>
+          <a:path path="circle">
+            <a:fillToRect l="50000" t="50000" r="50000" b="50000"/>
+          </a:path>
+        </a:gradFill>
+      </a:bgFillStyleLst>
+    </a:fmtScheme>
+  </a:themeElements>
+</a:theme>
+</file>
+
+<file path=ppt/theme/theme2.xml><?xml version="1.0" encoding="utf-8"?>
 <a:theme xmlns:a="http://schemas.openxmlformats.org/drawingml/2006/main" xmlns:r="http://schemas.openxmlformats.org/officeDocument/2006/relationships">
   <a:themeElements>
     <a:clrScheme name="Default">
@@ -11739,283 +13056,4 @@
     </a:fmtScheme>
   </a:themeElements>
 </a:theme>
-</file>
-
-<file path=ppt/theme/theme2.xml><?xml version="1.0" encoding="utf-8"?>
-<a:theme xmlns:a="http://schemas.openxmlformats.org/drawingml/2006/main" xmlns:r="http://schemas.openxmlformats.org/officeDocument/2006/relationships" name="Geometric">
-  <a:themeElements>
-    <a:clrScheme name="Geometric">
-      <a:dk1>
-        <a:srgbClr val="2A3990"/>
-      </a:dk1>
-      <a:lt1>
-        <a:srgbClr val="FFFFFF"/>
-      </a:lt1>
-      <a:dk2>
-        <a:srgbClr val="434343"/>
-      </a:dk2>
-      <a:lt2>
-        <a:srgbClr val="999999"/>
-      </a:lt2>
-      <a:accent1>
-        <a:srgbClr val="212D74"/>
-      </a:accent1>
-      <a:accent2>
-        <a:srgbClr val="3949AB"/>
-      </a:accent2>
-      <a:accent3>
-        <a:srgbClr val="9C254D"/>
-      </a:accent3>
-      <a:accent4>
-        <a:srgbClr val="D23369"/>
-      </a:accent4>
-      <a:accent5>
-        <a:srgbClr val="F06292"/>
-      </a:accent5>
-      <a:accent6>
-        <a:srgbClr val="7890CD"/>
-      </a:accent6>
-      <a:hlink>
-        <a:srgbClr val="F06292"/>
-      </a:hlink>
-      <a:folHlink>
-        <a:srgbClr val="F06292"/>
-      </a:folHlink>
-    </a:clrScheme>
-    <a:fontScheme name="Office">
-      <a:majorFont>
-        <a:latin typeface="Arial"/>
-        <a:ea typeface=""/>
-        <a:cs typeface=""/>
-        <a:font script="Jpan" typeface="ＭＳ Ｐゴシック"/>
-        <a:font script="Hang" typeface="맑은 고딕"/>
-        <a:font script="Hans" typeface="宋体"/>
-        <a:font script="Hant" typeface="新細明體"/>
-        <a:font script="Arab" typeface="Times New Roman"/>
-        <a:font script="Hebr" typeface="Times New Roman"/>
-        <a:font script="Thai" typeface="Angsana New"/>
-        <a:font script="Ethi" typeface="Nyala"/>
-        <a:font script="Beng" typeface="Vrinda"/>
-        <a:font script="Gujr" typeface="Shruti"/>
-        <a:font script="Khmr" typeface="MoolBoran"/>
-        <a:font script="Knda" typeface="Tunga"/>
-        <a:font script="Guru" typeface="Raavi"/>
-        <a:font script="Cans" typeface="Euphemia"/>
-        <a:font script="Cher" typeface="Plantagenet Cherokee"/>
-        <a:font script="Yiii" typeface="Microsoft Yi Baiti"/>
-        <a:font script="Tibt" typeface="Microsoft Himalaya"/>
-        <a:font script="Thaa" typeface="MV Boli"/>
-        <a:font script="Deva" typeface="Mangal"/>
-        <a:font script="Telu" typeface="Gautami"/>
-        <a:font script="Taml" typeface="Latha"/>
-        <a:font script="Syrc" typeface="Estrangelo Edessa"/>
-        <a:font script="Orya" typeface="Kalinga"/>
-        <a:font script="Mlym" typeface="Kartika"/>
-        <a:font script="Laoo" typeface="DokChampa"/>
-        <a:font script="Sinh" typeface="Iskoola Pota"/>
-        <a:font script="Mong" typeface="Mongolian Baiti"/>
-        <a:font script="Viet" typeface="Times New Roman"/>
-        <a:font script="Uigh" typeface="Microsoft Uighur"/>
-        <a:font script="Geor" typeface="Sylfaen"/>
-      </a:majorFont>
-      <a:minorFont>
-        <a:latin typeface="Arial"/>
-        <a:ea typeface=""/>
-        <a:cs typeface=""/>
-        <a:font script="Jpan" typeface="ＭＳ Ｐゴシック"/>
-        <a:font script="Hang" typeface="맑은 고딕"/>
-        <a:font script="Hans" typeface="宋体"/>
-        <a:font script="Hant" typeface="新細明體"/>
-        <a:font script="Arab" typeface="Arial"/>
-        <a:font script="Hebr" typeface="Arial"/>
-        <a:font script="Thai" typeface="Cordia New"/>
-        <a:font script="Ethi" typeface="Nyala"/>
-        <a:font script="Beng" typeface="Vrinda"/>
-        <a:font script="Gujr" typeface="Shruti"/>
-        <a:font script="Khmr" typeface="DaunPenh"/>
-        <a:font script="Knda" typeface="Tunga"/>
-        <a:font script="Guru" typeface="Raavi"/>
-        <a:font script="Cans" typeface="Euphemia"/>
-        <a:font script="Cher" typeface="Plantagenet Cherokee"/>
-        <a:font script="Yiii" typeface="Microsoft Yi Baiti"/>
-        <a:font script="Tibt" typeface="Microsoft Himalaya"/>
-        <a:font script="Thaa" typeface="MV Boli"/>
-        <a:font script="Deva" typeface="Mangal"/>
-        <a:font script="Telu" typeface="Gautami"/>
-        <a:font script="Taml" typeface="Latha"/>
-        <a:font script="Syrc" typeface="Estrangelo Edessa"/>
-        <a:font script="Orya" typeface="Kalinga"/>
-        <a:font script="Mlym" typeface="Kartika"/>
-        <a:font script="Laoo" typeface="DokChampa"/>
-        <a:font script="Sinh" typeface="Iskoola Pota"/>
-        <a:font script="Mong" typeface="Mongolian Baiti"/>
-        <a:font script="Viet" typeface="Arial"/>
-        <a:font script="Uigh" typeface="Microsoft Uighur"/>
-        <a:font script="Geor" typeface="Sylfaen"/>
-      </a:minorFont>
-    </a:fontScheme>
-    <a:fmtScheme name="Office">
-      <a:fillStyleLst>
-        <a:solidFill>
-          <a:schemeClr val="phClr"/>
-        </a:solidFill>
-        <a:gradFill rotWithShape="1">
-          <a:gsLst>
-            <a:gs pos="0">
-              <a:schemeClr val="phClr">
-                <a:tint val="50000"/>
-                <a:satMod val="300000"/>
-              </a:schemeClr>
-            </a:gs>
-            <a:gs pos="35000">
-              <a:schemeClr val="phClr">
-                <a:tint val="37000"/>
-                <a:satMod val="300000"/>
-              </a:schemeClr>
-            </a:gs>
-            <a:gs pos="100000">
-              <a:schemeClr val="phClr">
-                <a:tint val="15000"/>
-                <a:satMod val="350000"/>
-              </a:schemeClr>
-            </a:gs>
-          </a:gsLst>
-          <a:lin ang="16200000" scaled="1"/>
-        </a:gradFill>
-        <a:gradFill rotWithShape="1">
-          <a:gsLst>
-            <a:gs pos="0">
-              <a:schemeClr val="phClr">
-                <a:tint val="100000"/>
-                <a:shade val="100000"/>
-                <a:satMod val="130000"/>
-              </a:schemeClr>
-            </a:gs>
-            <a:gs pos="100000">
-              <a:schemeClr val="phClr">
-                <a:tint val="50000"/>
-                <a:shade val="100000"/>
-                <a:satMod val="350000"/>
-              </a:schemeClr>
-            </a:gs>
-          </a:gsLst>
-          <a:lin ang="16200000" scaled="0"/>
-        </a:gradFill>
-      </a:fillStyleLst>
-      <a:lnStyleLst>
-        <a:ln w="9525" cap="flat" cmpd="sng" algn="ctr">
-          <a:solidFill>
-            <a:schemeClr val="phClr">
-              <a:shade val="95000"/>
-              <a:satMod val="105000"/>
-            </a:schemeClr>
-          </a:solidFill>
-          <a:prstDash val="solid"/>
-        </a:ln>
-        <a:ln w="25400" cap="flat" cmpd="sng" algn="ctr">
-          <a:solidFill>
-            <a:schemeClr val="phClr"/>
-          </a:solidFill>
-          <a:prstDash val="solid"/>
-        </a:ln>
-        <a:ln w="38100" cap="flat" cmpd="sng" algn="ctr">
-          <a:solidFill>
-            <a:schemeClr val="phClr"/>
-          </a:solidFill>
-          <a:prstDash val="solid"/>
-        </a:ln>
-      </a:lnStyleLst>
-      <a:effectStyleLst>
-        <a:effectStyle>
-          <a:effectLst>
-            <a:outerShdw blurRad="40000" dist="20000" dir="5400000" rotWithShape="0">
-              <a:srgbClr val="000000">
-                <a:alpha val="38000"/>
-              </a:srgbClr>
-            </a:outerShdw>
-          </a:effectLst>
-        </a:effectStyle>
-        <a:effectStyle>
-          <a:effectLst>
-            <a:outerShdw blurRad="40000" dist="23000" dir="5400000" rotWithShape="0">
-              <a:srgbClr val="000000">
-                <a:alpha val="35000"/>
-              </a:srgbClr>
-            </a:outerShdw>
-          </a:effectLst>
-        </a:effectStyle>
-        <a:effectStyle>
-          <a:effectLst>
-            <a:outerShdw blurRad="40000" dist="23000" dir="5400000" rotWithShape="0">
-              <a:srgbClr val="000000">
-                <a:alpha val="35000"/>
-              </a:srgbClr>
-            </a:outerShdw>
-          </a:effectLst>
-          <a:scene3d>
-            <a:camera prst="orthographicFront">
-              <a:rot lat="0" lon="0" rev="0"/>
-            </a:camera>
-            <a:lightRig rig="threePt" dir="t">
-              <a:rot lat="0" lon="0" rev="1200000"/>
-            </a:lightRig>
-          </a:scene3d>
-          <a:sp3d>
-            <a:bevelT w="63500" h="25400"/>
-          </a:sp3d>
-        </a:effectStyle>
-      </a:effectStyleLst>
-      <a:bgFillStyleLst>
-        <a:solidFill>
-          <a:schemeClr val="phClr"/>
-        </a:solidFill>
-        <a:gradFill rotWithShape="1">
-          <a:gsLst>
-            <a:gs pos="0">
-              <a:schemeClr val="phClr">
-                <a:tint val="40000"/>
-                <a:satMod val="350000"/>
-              </a:schemeClr>
-            </a:gs>
-            <a:gs pos="40000">
-              <a:schemeClr val="phClr">
-                <a:tint val="45000"/>
-                <a:shade val="99000"/>
-                <a:satMod val="350000"/>
-              </a:schemeClr>
-            </a:gs>
-            <a:gs pos="100000">
-              <a:schemeClr val="phClr">
-                <a:shade val="20000"/>
-                <a:satMod val="255000"/>
-              </a:schemeClr>
-            </a:gs>
-          </a:gsLst>
-          <a:path path="circle">
-            <a:fillToRect l="50000" t="-80000" r="50000" b="180000"/>
-          </a:path>
-        </a:gradFill>
-        <a:gradFill rotWithShape="1">
-          <a:gsLst>
-            <a:gs pos="0">
-              <a:schemeClr val="phClr">
-                <a:tint val="80000"/>
-                <a:satMod val="300000"/>
-              </a:schemeClr>
-            </a:gs>
-            <a:gs pos="100000">
-              <a:schemeClr val="phClr">
-                <a:shade val="30000"/>
-                <a:satMod val="200000"/>
-              </a:schemeClr>
-            </a:gs>
-          </a:gsLst>
-          <a:path path="circle">
-            <a:fillToRect l="50000" t="50000" r="50000" b="50000"/>
-          </a:path>
-        </a:gradFill>
-      </a:bgFillStyleLst>
-    </a:fmtScheme>
-  </a:themeElements>
-</a:theme>
 </file>
--- a/DA/EG Data Analysis Assessment .pptx
+++ b/DA/EG Data Analysis Assessment .pptx
@@ -9003,7 +9003,7 @@
             </a:r>
             <a:r>
               <a:rPr b="1" lang="en" sz="1200"/>
-              <a:t>no campaign </a:t>
+              <a:t>N/A campaign </a:t>
             </a:r>
             <a:r>
               <a:rPr lang="en" sz="1200"/>
@@ -9147,7 +9147,7 @@
             </a:pPr>
             <a:r>
               <a:rPr lang="en"/>
-              <a:t>Extra - XGBoost &amp; SHAP</a:t>
+              <a:t>Additional Observations - XGBoost &amp; SHAP</a:t>
             </a:r>
             <a:endParaRPr/>
           </a:p>
@@ -9465,7 +9465,7 @@
         <p:spPr>
           <a:xfrm>
             <a:off x="311700" y="1107050"/>
-            <a:ext cx="4260300" cy="1962000"/>
+            <a:ext cx="4260300" cy="2051400"/>
           </a:xfrm>
           <a:prstGeom prst="rect">
             <a:avLst/>
@@ -9498,7 +9498,23 @@
             </a:pPr>
             <a:r>
               <a:rPr lang="en" sz="1400"/>
-              <a:t>Photos and Videos on Facebook have a considerably better engagement rate than Instagram.</a:t>
+              <a:t>Photos and Videos on </a:t>
+            </a:r>
+            <a:r>
+              <a:rPr b="1" lang="en" sz="1400"/>
+              <a:t>Facebook </a:t>
+            </a:r>
+            <a:r>
+              <a:rPr lang="en" sz="1400"/>
+              <a:t>have a considerably </a:t>
+            </a:r>
+            <a:r>
+              <a:rPr b="1" lang="en" sz="1400"/>
+              <a:t>better </a:t>
+            </a:r>
+            <a:r>
+              <a:rPr lang="en" sz="1400"/>
+              <a:t>engagement rate than Instagram.</a:t>
             </a:r>
             <a:endParaRPr sz="1400"/>
           </a:p>
@@ -9515,7 +9531,23 @@
             </a:pPr>
             <a:r>
               <a:rPr lang="en" sz="1400"/>
-              <a:t>However, number of videos posted on Instagram (200) is higher than Facebook (86).</a:t>
+              <a:t>However, number of </a:t>
+            </a:r>
+            <a:r>
+              <a:rPr b="1" lang="en" sz="1400"/>
+              <a:t>videos posted </a:t>
+            </a:r>
+            <a:r>
+              <a:rPr lang="en" sz="1400"/>
+              <a:t>on Instagram (200) is </a:t>
+            </a:r>
+            <a:r>
+              <a:rPr b="1" lang="en" sz="1400"/>
+              <a:t>higher </a:t>
+            </a:r>
+            <a:r>
+              <a:rPr lang="en" sz="1400"/>
+              <a:t>than Facebook (86).</a:t>
             </a:r>
             <a:endParaRPr sz="1400"/>
           </a:p>
@@ -9581,15 +9613,7 @@
             </a:pPr>
             <a:r>
               <a:rPr lang="en"/>
-              <a:t>Extra</a:t>
-            </a:r>
-            <a:r>
-              <a:rPr lang="en" sz="1200"/>
-              <a:t>(contd.)</a:t>
-            </a:r>
-            <a:r>
-              <a:rPr lang="en"/>
-              <a:t> - </a:t>
+              <a:t>Additional Observations - </a:t>
             </a:r>
             <a:r>
               <a:rPr lang="en"/>
@@ -9651,8 +9675,8 @@
         </p:blipFill>
         <p:spPr>
           <a:xfrm>
-            <a:off x="311701" y="3158377"/>
-            <a:ext cx="4260299" cy="1630297"/>
+            <a:off x="311700" y="3247700"/>
+            <a:ext cx="4260300" cy="1540975"/>
           </a:xfrm>
           <a:prstGeom prst="rect">
             <a:avLst/>
@@ -9857,7 +9881,7 @@
             </a:pPr>
             <a:r>
               <a:rPr lang="en" sz="1400"/>
-              <a:t>Using the analysis gathered from the model, I would like to suggest the EG social media team to post more </a:t>
+              <a:t>Using the analysis gathered from the model, I would like to suggest the EG social media team to test more </a:t>
             </a:r>
             <a:r>
               <a:rPr lang="en" sz="1400"/>
@@ -11464,7 +11488,7 @@
             </a:pPr>
             <a:r>
               <a:rPr lang="en" sz="1200"/>
-              <a:t>Since the distribution is skewed to the right, the probability of achieving an engagement rate of at least 15% shifts to 6.38 by using cumulative histogram.</a:t>
+              <a:t>Since the distribution is skewed to the right, the probability of achieving an engagement rate of at least 15% shifts to 6.38% by using cumulative distribution function.</a:t>
             </a:r>
             <a:endParaRPr sz="1200"/>
           </a:p>
@@ -12501,6 +12525,285 @@
 </file>
 
 <file path=ppt/theme/theme1.xml><?xml version="1.0" encoding="utf-8"?>
+<a:theme xmlns:a="http://schemas.openxmlformats.org/drawingml/2006/main" xmlns:r="http://schemas.openxmlformats.org/officeDocument/2006/relationships">
+  <a:themeElements>
+    <a:clrScheme name="Default">
+      <a:dk1>
+        <a:srgbClr val="000000"/>
+      </a:dk1>
+      <a:lt1>
+        <a:srgbClr val="FFFFFF"/>
+      </a:lt1>
+      <a:dk2>
+        <a:srgbClr val="158158"/>
+      </a:dk2>
+      <a:lt2>
+        <a:srgbClr val="F3F3F3"/>
+      </a:lt2>
+      <a:accent1>
+        <a:srgbClr val="058DC7"/>
+      </a:accent1>
+      <a:accent2>
+        <a:srgbClr val="50B432"/>
+      </a:accent2>
+      <a:accent3>
+        <a:srgbClr val="ED561B"/>
+      </a:accent3>
+      <a:accent4>
+        <a:srgbClr val="EDEF00"/>
+      </a:accent4>
+      <a:accent5>
+        <a:srgbClr val="24CBE5"/>
+      </a:accent5>
+      <a:accent6>
+        <a:srgbClr val="64E572"/>
+      </a:accent6>
+      <a:hlink>
+        <a:srgbClr val="2200CC"/>
+      </a:hlink>
+      <a:folHlink>
+        <a:srgbClr val="551A8B"/>
+      </a:folHlink>
+    </a:clrScheme>
+    <a:fontScheme name="Office">
+      <a:majorFont>
+        <a:latin typeface="Arial"/>
+        <a:ea typeface=""/>
+        <a:cs typeface=""/>
+        <a:font script="Jpan" typeface="ＭＳ Ｐゴシック"/>
+        <a:font script="Hang" typeface="맑은 고딕"/>
+        <a:font script="Hans" typeface="宋体"/>
+        <a:font script="Hant" typeface="新細明體"/>
+        <a:font script="Arab" typeface="Times New Roman"/>
+        <a:font script="Hebr" typeface="Times New Roman"/>
+        <a:font script="Thai" typeface="Angsana New"/>
+        <a:font script="Ethi" typeface="Nyala"/>
+        <a:font script="Beng" typeface="Vrinda"/>
+        <a:font script="Gujr" typeface="Shruti"/>
+        <a:font script="Khmr" typeface="MoolBoran"/>
+        <a:font script="Knda" typeface="Tunga"/>
+        <a:font script="Guru" typeface="Raavi"/>
+        <a:font script="Cans" typeface="Euphemia"/>
+        <a:font script="Cher" typeface="Plantagenet Cherokee"/>
+        <a:font script="Yiii" typeface="Microsoft Yi Baiti"/>
+        <a:font script="Tibt" typeface="Microsoft Himalaya"/>
+        <a:font script="Thaa" typeface="MV Boli"/>
+        <a:font script="Deva" typeface="Mangal"/>
+        <a:font script="Telu" typeface="Gautami"/>
+        <a:font script="Taml" typeface="Latha"/>
+        <a:font script="Syrc" typeface="Estrangelo Edessa"/>
+        <a:font script="Orya" typeface="Kalinga"/>
+        <a:font script="Mlym" typeface="Kartika"/>
+        <a:font script="Laoo" typeface="DokChampa"/>
+        <a:font script="Sinh" typeface="Iskoola Pota"/>
+        <a:font script="Mong" typeface="Mongolian Baiti"/>
+        <a:font script="Viet" typeface="Times New Roman"/>
+        <a:font script="Uigh" typeface="Microsoft Uighur"/>
+        <a:font script="Geor" typeface="Sylfaen"/>
+      </a:majorFont>
+      <a:minorFont>
+        <a:latin typeface="Arial"/>
+        <a:ea typeface=""/>
+        <a:cs typeface=""/>
+        <a:font script="Jpan" typeface="ＭＳ Ｐゴシック"/>
+        <a:font script="Hang" typeface="맑은 고딕"/>
+        <a:font script="Hans" typeface="宋体"/>
+        <a:font script="Hant" typeface="新細明體"/>
+        <a:font script="Arab" typeface="Arial"/>
+        <a:font script="Hebr" typeface="Arial"/>
+        <a:font script="Thai" typeface="Cordia New"/>
+        <a:font script="Ethi" typeface="Nyala"/>
+        <a:font script="Beng" typeface="Vrinda"/>
+        <a:font script="Gujr" typeface="Shruti"/>
+        <a:font script="Khmr" typeface="DaunPenh"/>
+        <a:font script="Knda" typeface="Tunga"/>
+        <a:font script="Guru" typeface="Raavi"/>
+        <a:font script="Cans" typeface="Euphemia"/>
+        <a:font script="Cher" typeface="Plantagenet Cherokee"/>
+        <a:font script="Yiii" typeface="Microsoft Yi Baiti"/>
+        <a:font script="Tibt" typeface="Microsoft Himalaya"/>
+        <a:font script="Thaa" typeface="MV Boli"/>
+        <a:font script="Deva" typeface="Mangal"/>
+        <a:font script="Telu" typeface="Gautami"/>
+        <a:font script="Taml" typeface="Latha"/>
+        <a:font script="Syrc" typeface="Estrangelo Edessa"/>
+        <a:font script="Orya" typeface="Kalinga"/>
+        <a:font script="Mlym" typeface="Kartika"/>
+        <a:font script="Laoo" typeface="DokChampa"/>
+        <a:font script="Sinh" typeface="Iskoola Pota"/>
+        <a:font script="Mong" typeface="Mongolian Baiti"/>
+        <a:font script="Viet" typeface="Arial"/>
+        <a:font script="Uigh" typeface="Microsoft Uighur"/>
+        <a:font script="Geor" typeface="Sylfaen"/>
+      </a:minorFont>
+    </a:fontScheme>
+    <a:fmtScheme name="Office">
+      <a:fillStyleLst>
+        <a:solidFill>
+          <a:schemeClr val="phClr"/>
+        </a:solidFill>
+        <a:gradFill rotWithShape="1">
+          <a:gsLst>
+            <a:gs pos="0">
+              <a:schemeClr val="phClr">
+                <a:tint val="50000"/>
+                <a:satMod val="300000"/>
+              </a:schemeClr>
+            </a:gs>
+            <a:gs pos="35000">
+              <a:schemeClr val="phClr">
+                <a:tint val="37000"/>
+                <a:satMod val="300000"/>
+              </a:schemeClr>
+            </a:gs>
+            <a:gs pos="100000">
+              <a:schemeClr val="phClr">
+                <a:tint val="15000"/>
+                <a:satMod val="350000"/>
+              </a:schemeClr>
+            </a:gs>
+          </a:gsLst>
+          <a:lin ang="16200000" scaled="1"/>
+        </a:gradFill>
+        <a:gradFill rotWithShape="1">
+          <a:gsLst>
+            <a:gs pos="0">
+              <a:schemeClr val="phClr">
+                <a:tint val="100000"/>
+                <a:shade val="100000"/>
+                <a:satMod val="130000"/>
+              </a:schemeClr>
+            </a:gs>
+            <a:gs pos="100000">
+              <a:schemeClr val="phClr">
+                <a:tint val="50000"/>
+                <a:shade val="100000"/>
+                <a:satMod val="350000"/>
+              </a:schemeClr>
+            </a:gs>
+          </a:gsLst>
+          <a:lin ang="16200000" scaled="0"/>
+        </a:gradFill>
+      </a:fillStyleLst>
+      <a:lnStyleLst>
+        <a:ln w="9525" cap="flat" cmpd="sng" algn="ctr">
+          <a:solidFill>
+            <a:schemeClr val="phClr">
+              <a:shade val="95000"/>
+              <a:satMod val="105000"/>
+            </a:schemeClr>
+          </a:solidFill>
+          <a:prstDash val="solid"/>
+        </a:ln>
+        <a:ln w="25400" cap="flat" cmpd="sng" algn="ctr">
+          <a:solidFill>
+            <a:schemeClr val="phClr"/>
+          </a:solidFill>
+          <a:prstDash val="solid"/>
+        </a:ln>
+        <a:ln w="38100" cap="flat" cmpd="sng" algn="ctr">
+          <a:solidFill>
+            <a:schemeClr val="phClr"/>
+          </a:solidFill>
+          <a:prstDash val="solid"/>
+        </a:ln>
+      </a:lnStyleLst>
+      <a:effectStyleLst>
+        <a:effectStyle>
+          <a:effectLst>
+            <a:outerShdw blurRad="40000" dist="20000" dir="5400000" rotWithShape="0">
+              <a:srgbClr val="000000">
+                <a:alpha val="38000"/>
+              </a:srgbClr>
+            </a:outerShdw>
+          </a:effectLst>
+        </a:effectStyle>
+        <a:effectStyle>
+          <a:effectLst>
+            <a:outerShdw blurRad="40000" dist="23000" dir="5400000" rotWithShape="0">
+              <a:srgbClr val="000000">
+                <a:alpha val="35000"/>
+              </a:srgbClr>
+            </a:outerShdw>
+          </a:effectLst>
+        </a:effectStyle>
+        <a:effectStyle>
+          <a:effectLst>
+            <a:outerShdw blurRad="40000" dist="23000" dir="5400000" rotWithShape="0">
+              <a:srgbClr val="000000">
+                <a:alpha val="35000"/>
+              </a:srgbClr>
+            </a:outerShdw>
+          </a:effectLst>
+          <a:scene3d>
+            <a:camera prst="orthographicFront">
+              <a:rot lat="0" lon="0" rev="0"/>
+            </a:camera>
+            <a:lightRig rig="threePt" dir="t">
+              <a:rot lat="0" lon="0" rev="1200000"/>
+            </a:lightRig>
+          </a:scene3d>
+          <a:sp3d>
+            <a:bevelT w="63500" h="25400"/>
+          </a:sp3d>
+        </a:effectStyle>
+      </a:effectStyleLst>
+      <a:bgFillStyleLst>
+        <a:solidFill>
+          <a:schemeClr val="phClr"/>
+        </a:solidFill>
+        <a:gradFill rotWithShape="1">
+          <a:gsLst>
+            <a:gs pos="0">
+              <a:schemeClr val="phClr">
+                <a:tint val="40000"/>
+                <a:satMod val="350000"/>
+              </a:schemeClr>
+            </a:gs>
+            <a:gs pos="40000">
+              <a:schemeClr val="phClr">
+                <a:tint val="45000"/>
+                <a:shade val="99000"/>
+                <a:satMod val="350000"/>
+              </a:schemeClr>
+            </a:gs>
+            <a:gs pos="100000">
+              <a:schemeClr val="phClr">
+                <a:shade val="20000"/>
+                <a:satMod val="255000"/>
+              </a:schemeClr>
+            </a:gs>
+          </a:gsLst>
+          <a:path path="circle">
+            <a:fillToRect l="50000" t="-80000" r="50000" b="180000"/>
+          </a:path>
+        </a:gradFill>
+        <a:gradFill rotWithShape="1">
+          <a:gsLst>
+            <a:gs pos="0">
+              <a:schemeClr val="phClr">
+                <a:tint val="80000"/>
+                <a:satMod val="300000"/>
+              </a:schemeClr>
+            </a:gs>
+            <a:gs pos="100000">
+              <a:schemeClr val="phClr">
+                <a:shade val="30000"/>
+                <a:satMod val="200000"/>
+              </a:schemeClr>
+            </a:gs>
+          </a:gsLst>
+          <a:path path="circle">
+            <a:fillToRect l="50000" t="50000" r="50000" b="50000"/>
+          </a:path>
+        </a:gradFill>
+      </a:bgFillStyleLst>
+    </a:fmtScheme>
+  </a:themeElements>
+</a:theme>
+</file>
+
+<file path=ppt/theme/theme2.xml><?xml version="1.0" encoding="utf-8"?>
 <a:theme xmlns:a="http://schemas.openxmlformats.org/drawingml/2006/main" xmlns:r="http://schemas.openxmlformats.org/officeDocument/2006/relationships" name="Geometric">
   <a:themeElements>
     <a:clrScheme name="Geometric">
@@ -12777,283 +13080,4 @@
     </a:fmtScheme>
   </a:themeElements>
 </a:theme>
-</file>
-
-<file path=ppt/theme/theme2.xml><?xml version="1.0" encoding="utf-8"?>
-<a:theme xmlns:a="http://schemas.openxmlformats.org/drawingml/2006/main" xmlns:r="http://schemas.openxmlformats.org/officeDocument/2006/relationships">
-  <a:themeElements>
-    <a:clrScheme name="Default">
-      <a:dk1>
-        <a:srgbClr val="000000"/>
-      </a:dk1>
-      <a:lt1>
-        <a:srgbClr val="FFFFFF"/>
-      </a:lt1>
-      <a:dk2>
-        <a:srgbClr val="158158"/>
-      </a:dk2>
-      <a:lt2>
-        <a:srgbClr val="F3F3F3"/>
-      </a:lt2>
-      <a:accent1>
-        <a:srgbClr val="058DC7"/>
-      </a:accent1>
-      <a:accent2>
-        <a:srgbClr val="50B432"/>
-      </a:accent2>
-      <a:accent3>
-        <a:srgbClr val="ED561B"/>
-      </a:accent3>
-      <a:accent4>
-        <a:srgbClr val="EDEF00"/>
-      </a:accent4>
-      <a:accent5>
-        <a:srgbClr val="24CBE5"/>
-      </a:accent5>
-      <a:accent6>
-        <a:srgbClr val="64E572"/>
-      </a:accent6>
-      <a:hlink>
-        <a:srgbClr val="2200CC"/>
-      </a:hlink>
-      <a:folHlink>
-        <a:srgbClr val="551A8B"/>
-      </a:folHlink>
-    </a:clrScheme>
-    <a:fontScheme name="Office">
-      <a:majorFont>
-        <a:latin typeface="Arial"/>
-        <a:ea typeface=""/>
-        <a:cs typeface=""/>
-        <a:font script="Jpan" typeface="ＭＳ Ｐゴシック"/>
-        <a:font script="Hang" typeface="맑은 고딕"/>
-        <a:font script="Hans" typeface="宋体"/>
-        <a:font script="Hant" typeface="新細明體"/>
-        <a:font script="Arab" typeface="Times New Roman"/>
-        <a:font script="Hebr" typeface="Times New Roman"/>
-        <a:font script="Thai" typeface="Angsana New"/>
-        <a:font script="Ethi" typeface="Nyala"/>
-        <a:font script="Beng" typeface="Vrinda"/>
-        <a:font script="Gujr" typeface="Shruti"/>
-        <a:font script="Khmr" typeface="MoolBoran"/>
-        <a:font script="Knda" typeface="Tunga"/>
-        <a:font script="Guru" typeface="Raavi"/>
-        <a:font script="Cans" typeface="Euphemia"/>
-        <a:font script="Cher" typeface="Plantagenet Cherokee"/>
-        <a:font script="Yiii" typeface="Microsoft Yi Baiti"/>
-        <a:font script="Tibt" typeface="Microsoft Himalaya"/>
-        <a:font script="Thaa" typeface="MV Boli"/>
-        <a:font script="Deva" typeface="Mangal"/>
-        <a:font script="Telu" typeface="Gautami"/>
-        <a:font script="Taml" typeface="Latha"/>
-        <a:font script="Syrc" typeface="Estrangelo Edessa"/>
-        <a:font script="Orya" typeface="Kalinga"/>
-        <a:font script="Mlym" typeface="Kartika"/>
-        <a:font script="Laoo" typeface="DokChampa"/>
-        <a:font script="Sinh" typeface="Iskoola Pota"/>
-        <a:font script="Mong" typeface="Mongolian Baiti"/>
-        <a:font script="Viet" typeface="Times New Roman"/>
-        <a:font script="Uigh" typeface="Microsoft Uighur"/>
-        <a:font script="Geor" typeface="Sylfaen"/>
-      </a:majorFont>
-      <a:minorFont>
-        <a:latin typeface="Arial"/>
-        <a:ea typeface=""/>
-        <a:cs typeface=""/>
-        <a:font script="Jpan" typeface="ＭＳ Ｐゴシック"/>
-        <a:font script="Hang" typeface="맑은 고딕"/>
-        <a:font script="Hans" typeface="宋体"/>
-        <a:font script="Hant" typeface="新細明體"/>
-        <a:font script="Arab" typeface="Arial"/>
-        <a:font script="Hebr" typeface="Arial"/>
-        <a:font script="Thai" typeface="Cordia New"/>
-        <a:font script="Ethi" typeface="Nyala"/>
-        <a:font script="Beng" typeface="Vrinda"/>
-        <a:font script="Gujr" typeface="Shruti"/>
-        <a:font script="Khmr" typeface="DaunPenh"/>
-        <a:font script="Knda" typeface="Tunga"/>
-        <a:font script="Guru" typeface="Raavi"/>
-        <a:font script="Cans" typeface="Euphemia"/>
-        <a:font script="Cher" typeface="Plantagenet Cherokee"/>
-        <a:font script="Yiii" typeface="Microsoft Yi Baiti"/>
-        <a:font script="Tibt" typeface="Microsoft Himalaya"/>
-        <a:font script="Thaa" typeface="MV Boli"/>
-        <a:font script="Deva" typeface="Mangal"/>
-        <a:font script="Telu" typeface="Gautami"/>
-        <a:font script="Taml" typeface="Latha"/>
-        <a:font script="Syrc" typeface="Estrangelo Edessa"/>
-        <a:font script="Orya" typeface="Kalinga"/>
-        <a:font script="Mlym" typeface="Kartika"/>
-        <a:font script="Laoo" typeface="DokChampa"/>
-        <a:font script="Sinh" typeface="Iskoola Pota"/>
-        <a:font script="Mong" typeface="Mongolian Baiti"/>
-        <a:font script="Viet" typeface="Arial"/>
-        <a:font script="Uigh" typeface="Microsoft Uighur"/>
-        <a:font script="Geor" typeface="Sylfaen"/>
-      </a:minorFont>
-    </a:fontScheme>
-    <a:fmtScheme name="Office">
-      <a:fillStyleLst>
-        <a:solidFill>
-          <a:schemeClr val="phClr"/>
-        </a:solidFill>
-        <a:gradFill rotWithShape="1">
-          <a:gsLst>
-            <a:gs pos="0">
-              <a:schemeClr val="phClr">
-                <a:tint val="50000"/>
-                <a:satMod val="300000"/>
-              </a:schemeClr>
-            </a:gs>
-            <a:gs pos="35000">
-              <a:schemeClr val="phClr">
-                <a:tint val="37000"/>
-                <a:satMod val="300000"/>
-              </a:schemeClr>
-            </a:gs>
-            <a:gs pos="100000">
-              <a:schemeClr val="phClr">
-                <a:tint val="15000"/>
-                <a:satMod val="350000"/>
-              </a:schemeClr>
-            </a:gs>
-          </a:gsLst>
-          <a:lin ang="16200000" scaled="1"/>
-        </a:gradFill>
-        <a:gradFill rotWithShape="1">
-          <a:gsLst>
-            <a:gs pos="0">
-              <a:schemeClr val="phClr">
-                <a:tint val="100000"/>
-                <a:shade val="100000"/>
-                <a:satMod val="130000"/>
-              </a:schemeClr>
-            </a:gs>
-            <a:gs pos="100000">
-              <a:schemeClr val="phClr">
-                <a:tint val="50000"/>
-                <a:shade val="100000"/>
-                <a:satMod val="350000"/>
-              </a:schemeClr>
-            </a:gs>
-          </a:gsLst>
-          <a:lin ang="16200000" scaled="0"/>
-        </a:gradFill>
-      </a:fillStyleLst>
-      <a:lnStyleLst>
-        <a:ln w="9525" cap="flat" cmpd="sng" algn="ctr">
-          <a:solidFill>
-            <a:schemeClr val="phClr">
-              <a:shade val="95000"/>
-              <a:satMod val="105000"/>
-            </a:schemeClr>
-          </a:solidFill>
-          <a:prstDash val="solid"/>
-        </a:ln>
-        <a:ln w="25400" cap="flat" cmpd="sng" algn="ctr">
-          <a:solidFill>
-            <a:schemeClr val="phClr"/>
-          </a:solidFill>
-          <a:prstDash val="solid"/>
-        </a:ln>
-        <a:ln w="38100" cap="flat" cmpd="sng" algn="ctr">
-          <a:solidFill>
-            <a:schemeClr val="phClr"/>
-          </a:solidFill>
-          <a:prstDash val="solid"/>
-        </a:ln>
-      </a:lnStyleLst>
-      <a:effectStyleLst>
-        <a:effectStyle>
-          <a:effectLst>
-            <a:outerShdw blurRad="40000" dist="20000" dir="5400000" rotWithShape="0">
-              <a:srgbClr val="000000">
-                <a:alpha val="38000"/>
-              </a:srgbClr>
-            </a:outerShdw>
-          </a:effectLst>
-        </a:effectStyle>
-        <a:effectStyle>
-          <a:effectLst>
-            <a:outerShdw blurRad="40000" dist="23000" dir="5400000" rotWithShape="0">
-              <a:srgbClr val="000000">
-                <a:alpha val="35000"/>
-              </a:srgbClr>
-            </a:outerShdw>
-          </a:effectLst>
-        </a:effectStyle>
-        <a:effectStyle>
-          <a:effectLst>
-            <a:outerShdw blurRad="40000" dist="23000" dir="5400000" rotWithShape="0">
-              <a:srgbClr val="000000">
-                <a:alpha val="35000"/>
-              </a:srgbClr>
-            </a:outerShdw>
-          </a:effectLst>
-          <a:scene3d>
-            <a:camera prst="orthographicFront">
-              <a:rot lat="0" lon="0" rev="0"/>
-            </a:camera>
-            <a:lightRig rig="threePt" dir="t">
-              <a:rot lat="0" lon="0" rev="1200000"/>
-            </a:lightRig>
-          </a:scene3d>
-          <a:sp3d>
-            <a:bevelT w="63500" h="25400"/>
-          </a:sp3d>
-        </a:effectStyle>
-      </a:effectStyleLst>
-      <a:bgFillStyleLst>
-        <a:solidFill>
-          <a:schemeClr val="phClr"/>
-        </a:solidFill>
-        <a:gradFill rotWithShape="1">
-          <a:gsLst>
-            <a:gs pos="0">
-              <a:schemeClr val="phClr">
-                <a:tint val="40000"/>
-                <a:satMod val="350000"/>
-              </a:schemeClr>
-            </a:gs>
-            <a:gs pos="40000">
-              <a:schemeClr val="phClr">
-                <a:tint val="45000"/>
-                <a:shade val="99000"/>
-                <a:satMod val="350000"/>
-              </a:schemeClr>
-            </a:gs>
-            <a:gs pos="100000">
-              <a:schemeClr val="phClr">
-                <a:shade val="20000"/>
-                <a:satMod val="255000"/>
-              </a:schemeClr>
-            </a:gs>
-          </a:gsLst>
-          <a:path path="circle">
-            <a:fillToRect l="50000" t="-80000" r="50000" b="180000"/>
-          </a:path>
-        </a:gradFill>
-        <a:gradFill rotWithShape="1">
-          <a:gsLst>
-            <a:gs pos="0">
-              <a:schemeClr val="phClr">
-                <a:tint val="80000"/>
-                <a:satMod val="300000"/>
-              </a:schemeClr>
-            </a:gs>
-            <a:gs pos="100000">
-              <a:schemeClr val="phClr">
-                <a:shade val="30000"/>
-                <a:satMod val="200000"/>
-              </a:schemeClr>
-            </a:gs>
-          </a:gsLst>
-          <a:path path="circle">
-            <a:fillToRect l="50000" t="50000" r="50000" b="50000"/>
-          </a:path>
-        </a:gradFill>
-      </a:bgFillStyleLst>
-    </a:fmtScheme>
-  </a:themeElements>
-</a:theme>
 </file>